--- a/docs/diagrams/UndoRedoStartingStateListDiagram.pptx
+++ b/docs/diagrams/UndoRedoStartingStateListDiagram.pptx
@@ -245,7 +245,7 @@
           <a:p>
             <a:fld id="{8B2F8DF3-7CFE-4C7E-A62E-FD00A81FB0CD}" type="datetimeFigureOut">
               <a:rPr lang="en-US" smtClean="0"/>
-              <a:t>7/6/2018</a:t>
+              <a:t>3/4/19</a:t>
             </a:fld>
             <a:endParaRPr lang="en-US"/>
           </a:p>
@@ -413,7 +413,7 @@
           <a:p>
             <a:fld id="{8B2F8DF3-7CFE-4C7E-A62E-FD00A81FB0CD}" type="datetimeFigureOut">
               <a:rPr lang="en-US" smtClean="0"/>
-              <a:t>7/6/2018</a:t>
+              <a:t>3/4/19</a:t>
             </a:fld>
             <a:endParaRPr lang="en-US"/>
           </a:p>
@@ -591,7 +591,7 @@
           <a:p>
             <a:fld id="{8B2F8DF3-7CFE-4C7E-A62E-FD00A81FB0CD}" type="datetimeFigureOut">
               <a:rPr lang="en-US" smtClean="0"/>
-              <a:t>7/6/2018</a:t>
+              <a:t>3/4/19</a:t>
             </a:fld>
             <a:endParaRPr lang="en-US"/>
           </a:p>
@@ -759,7 +759,7 @@
           <a:p>
             <a:fld id="{8B2F8DF3-7CFE-4C7E-A62E-FD00A81FB0CD}" type="datetimeFigureOut">
               <a:rPr lang="en-US" smtClean="0"/>
-              <a:t>7/6/2018</a:t>
+              <a:t>3/4/19</a:t>
             </a:fld>
             <a:endParaRPr lang="en-US"/>
           </a:p>
@@ -1004,7 +1004,7 @@
           <a:p>
             <a:fld id="{8B2F8DF3-7CFE-4C7E-A62E-FD00A81FB0CD}" type="datetimeFigureOut">
               <a:rPr lang="en-US" smtClean="0"/>
-              <a:t>7/6/2018</a:t>
+              <a:t>3/4/19</a:t>
             </a:fld>
             <a:endParaRPr lang="en-US"/>
           </a:p>
@@ -1233,7 +1233,7 @@
           <a:p>
             <a:fld id="{8B2F8DF3-7CFE-4C7E-A62E-FD00A81FB0CD}" type="datetimeFigureOut">
               <a:rPr lang="en-US" smtClean="0"/>
-              <a:t>7/6/2018</a:t>
+              <a:t>3/4/19</a:t>
             </a:fld>
             <a:endParaRPr lang="en-US"/>
           </a:p>
@@ -1597,7 +1597,7 @@
           <a:p>
             <a:fld id="{8B2F8DF3-7CFE-4C7E-A62E-FD00A81FB0CD}" type="datetimeFigureOut">
               <a:rPr lang="en-US" smtClean="0"/>
-              <a:t>7/6/2018</a:t>
+              <a:t>3/4/19</a:t>
             </a:fld>
             <a:endParaRPr lang="en-US"/>
           </a:p>
@@ -1714,7 +1714,7 @@
           <a:p>
             <a:fld id="{8B2F8DF3-7CFE-4C7E-A62E-FD00A81FB0CD}" type="datetimeFigureOut">
               <a:rPr lang="en-US" smtClean="0"/>
-              <a:t>7/6/2018</a:t>
+              <a:t>3/4/19</a:t>
             </a:fld>
             <a:endParaRPr lang="en-US"/>
           </a:p>
@@ -1809,7 +1809,7 @@
           <a:p>
             <a:fld id="{8B2F8DF3-7CFE-4C7E-A62E-FD00A81FB0CD}" type="datetimeFigureOut">
               <a:rPr lang="en-US" smtClean="0"/>
-              <a:t>7/6/2018</a:t>
+              <a:t>3/4/19</a:t>
             </a:fld>
             <a:endParaRPr lang="en-US"/>
           </a:p>
@@ -2084,7 +2084,7 @@
           <a:p>
             <a:fld id="{8B2F8DF3-7CFE-4C7E-A62E-FD00A81FB0CD}" type="datetimeFigureOut">
               <a:rPr lang="en-US" smtClean="0"/>
-              <a:t>7/6/2018</a:t>
+              <a:t>3/4/19</a:t>
             </a:fld>
             <a:endParaRPr lang="en-US"/>
           </a:p>
@@ -2336,7 +2336,7 @@
           <a:p>
             <a:fld id="{8B2F8DF3-7CFE-4C7E-A62E-FD00A81FB0CD}" type="datetimeFigureOut">
               <a:rPr lang="en-US" smtClean="0"/>
-              <a:t>7/6/2018</a:t>
+              <a:t>3/4/19</a:t>
             </a:fld>
             <a:endParaRPr lang="en-US"/>
           </a:p>
@@ -2547,7 +2547,7 @@
           <a:p>
             <a:fld id="{8B2F8DF3-7CFE-4C7E-A62E-FD00A81FB0CD}" type="datetimeFigureOut">
               <a:rPr lang="en-US" smtClean="0"/>
-              <a:t>7/6/2018</a:t>
+              <a:t>3/4/19</a:t>
             </a:fld>
             <a:endParaRPr lang="en-US"/>
           </a:p>
@@ -2957,7 +2957,7 @@
           <p:cNvPr id="4" name="TextBox 3">
             <a:extLst>
               <a:ext uri="{FF2B5EF4-FFF2-40B4-BE49-F238E27FC236}">
-                <a16:creationId xmlns:a16="http://schemas.microsoft.com/office/drawing/2014/main" id="{3151A13B-9509-43FA-BFEB-1D9866A00B84}"/>
+                <a16:creationId xmlns:a16="http://schemas.microsoft.com/office/drawing/2014/main" xmlns="" id="{3151A13B-9509-43FA-BFEB-1D9866A00B84}"/>
               </a:ext>
             </a:extLst>
           </p:cNvPr>
@@ -3001,7 +3001,7 @@
           <p:cNvPr id="5" name="Table 4">
             <a:extLst>
               <a:ext uri="{FF2B5EF4-FFF2-40B4-BE49-F238E27FC236}">
-                <a16:creationId xmlns:a16="http://schemas.microsoft.com/office/drawing/2014/main" id="{F545FAB8-F1CE-4886-9BDE-E772BCB0A9C4}"/>
+                <a16:creationId xmlns:a16="http://schemas.microsoft.com/office/drawing/2014/main" xmlns="" id="{F545FAB8-F1CE-4886-9BDE-E772BCB0A9C4}"/>
               </a:ext>
             </a:extLst>
           </p:cNvPr>
@@ -3011,7 +3011,7 @@
           <p:nvPr>
             <p:extLst>
               <p:ext uri="{D42A27DB-BD31-4B8C-83A1-F6EECF244321}">
-                <p14:modId xmlns:p14="http://schemas.microsoft.com/office/powerpoint/2010/main" val="1292556626"/>
+                <p14:modId xmlns:p14="http://schemas.microsoft.com/office/powerpoint/2010/main" val="345733090"/>
               </p:ext>
             </p:extLst>
           </p:nvPr>
@@ -3030,7 +3030,7 @@
                 <a:gridCol w="1833356">
                   <a:extLst>
                     <a:ext uri="{9D8B030D-6E8A-4147-A177-3AD203B41FA5}">
-                      <a16:colId xmlns:a16="http://schemas.microsoft.com/office/drawing/2014/main" val="4240773277"/>
+                      <a16:colId xmlns:a16="http://schemas.microsoft.com/office/drawing/2014/main" xmlns="" val="4240773277"/>
                     </a:ext>
                   </a:extLst>
                 </a:gridCol>
@@ -3042,12 +3042,12 @@
                     <a:lstStyle/>
                     <a:p>
                       <a:r>
-                        <a:rPr lang="en-SG" u="sng" dirty="0"/>
-                        <a:t>ab0:</a:t>
+                        <a:rPr lang="en-SG" u="sng" smtClean="0"/>
+                        <a:t>b0:</a:t>
                       </a:r>
                       <a:r>
-                        <a:rPr lang="en-SG" sz="1800" u="sng" dirty="0"/>
-                        <a:t>AddressBook</a:t>
+                        <a:rPr lang="en-SG" sz="1800" u="sng" smtClean="0"/>
+                        <a:t>BookList</a:t>
                       </a:r>
                       <a:endParaRPr lang="en-SG" sz="1600" u="sng" dirty="0"/>
                     </a:p>
@@ -3056,7 +3056,7 @@
                 </a:tc>
                 <a:extLst>
                   <a:ext uri="{0D108BD9-81ED-4DB2-BD59-A6C34878D82A}">
-                    <a16:rowId xmlns:a16="http://schemas.microsoft.com/office/drawing/2014/main" val="2194462629"/>
+                    <a16:rowId xmlns:a16="http://schemas.microsoft.com/office/drawing/2014/main" xmlns="" val="2194462629"/>
                   </a:ext>
                 </a:extLst>
               </a:tr>
@@ -3115,7 +3115,7 @@
           <p:cNvPr id="3" name="Straight Arrow Connector 2">
             <a:extLst>
               <a:ext uri="{FF2B5EF4-FFF2-40B4-BE49-F238E27FC236}">
-                <a16:creationId xmlns:a16="http://schemas.microsoft.com/office/drawing/2014/main" id="{19F1196F-B136-4E44-A8A5-68CAEED3CD2E}"/>
+                <a16:creationId xmlns:a16="http://schemas.microsoft.com/office/drawing/2014/main" xmlns="" id="{19F1196F-B136-4E44-A8A5-68CAEED3CD2E}"/>
               </a:ext>
             </a:extLst>
           </p:cNvPr>

--- a/docs/diagrams/UndoRedoStartingStateListDiagram.pptx
+++ b/docs/diagrams/UndoRedoStartingStateListDiagram.pptx
@@ -245,7 +245,7 @@
           <a:p>
             <a:fld id="{8B2F8DF3-7CFE-4C7E-A62E-FD00A81FB0CD}" type="datetimeFigureOut">
               <a:rPr lang="en-US" smtClean="0"/>
-              <a:t>3/4/19</a:t>
+              <a:t>3/5/19</a:t>
             </a:fld>
             <a:endParaRPr lang="en-US"/>
           </a:p>
@@ -413,7 +413,7 @@
           <a:p>
             <a:fld id="{8B2F8DF3-7CFE-4C7E-A62E-FD00A81FB0CD}" type="datetimeFigureOut">
               <a:rPr lang="en-US" smtClean="0"/>
-              <a:t>3/4/19</a:t>
+              <a:t>3/5/19</a:t>
             </a:fld>
             <a:endParaRPr lang="en-US"/>
           </a:p>
@@ -591,7 +591,7 @@
           <a:p>
             <a:fld id="{8B2F8DF3-7CFE-4C7E-A62E-FD00A81FB0CD}" type="datetimeFigureOut">
               <a:rPr lang="en-US" smtClean="0"/>
-              <a:t>3/4/19</a:t>
+              <a:t>3/5/19</a:t>
             </a:fld>
             <a:endParaRPr lang="en-US"/>
           </a:p>
@@ -759,7 +759,7 @@
           <a:p>
             <a:fld id="{8B2F8DF3-7CFE-4C7E-A62E-FD00A81FB0CD}" type="datetimeFigureOut">
               <a:rPr lang="en-US" smtClean="0"/>
-              <a:t>3/4/19</a:t>
+              <a:t>3/5/19</a:t>
             </a:fld>
             <a:endParaRPr lang="en-US"/>
           </a:p>
@@ -1004,7 +1004,7 @@
           <a:p>
             <a:fld id="{8B2F8DF3-7CFE-4C7E-A62E-FD00A81FB0CD}" type="datetimeFigureOut">
               <a:rPr lang="en-US" smtClean="0"/>
-              <a:t>3/4/19</a:t>
+              <a:t>3/5/19</a:t>
             </a:fld>
             <a:endParaRPr lang="en-US"/>
           </a:p>
@@ -1233,7 +1233,7 @@
           <a:p>
             <a:fld id="{8B2F8DF3-7CFE-4C7E-A62E-FD00A81FB0CD}" type="datetimeFigureOut">
               <a:rPr lang="en-US" smtClean="0"/>
-              <a:t>3/4/19</a:t>
+              <a:t>3/5/19</a:t>
             </a:fld>
             <a:endParaRPr lang="en-US"/>
           </a:p>
@@ -1597,7 +1597,7 @@
           <a:p>
             <a:fld id="{8B2F8DF3-7CFE-4C7E-A62E-FD00A81FB0CD}" type="datetimeFigureOut">
               <a:rPr lang="en-US" smtClean="0"/>
-              <a:t>3/4/19</a:t>
+              <a:t>3/5/19</a:t>
             </a:fld>
             <a:endParaRPr lang="en-US"/>
           </a:p>
@@ -1714,7 +1714,7 @@
           <a:p>
             <a:fld id="{8B2F8DF3-7CFE-4C7E-A62E-FD00A81FB0CD}" type="datetimeFigureOut">
               <a:rPr lang="en-US" smtClean="0"/>
-              <a:t>3/4/19</a:t>
+              <a:t>3/5/19</a:t>
             </a:fld>
             <a:endParaRPr lang="en-US"/>
           </a:p>
@@ -1809,7 +1809,7 @@
           <a:p>
             <a:fld id="{8B2F8DF3-7CFE-4C7E-A62E-FD00A81FB0CD}" type="datetimeFigureOut">
               <a:rPr lang="en-US" smtClean="0"/>
-              <a:t>3/4/19</a:t>
+              <a:t>3/5/19</a:t>
             </a:fld>
             <a:endParaRPr lang="en-US"/>
           </a:p>
@@ -2084,7 +2084,7 @@
           <a:p>
             <a:fld id="{8B2F8DF3-7CFE-4C7E-A62E-FD00A81FB0CD}" type="datetimeFigureOut">
               <a:rPr lang="en-US" smtClean="0"/>
-              <a:t>3/4/19</a:t>
+              <a:t>3/5/19</a:t>
             </a:fld>
             <a:endParaRPr lang="en-US"/>
           </a:p>
@@ -2336,7 +2336,7 @@
           <a:p>
             <a:fld id="{8B2F8DF3-7CFE-4C7E-A62E-FD00A81FB0CD}" type="datetimeFigureOut">
               <a:rPr lang="en-US" smtClean="0"/>
-              <a:t>3/4/19</a:t>
+              <a:t>3/5/19</a:t>
             </a:fld>
             <a:endParaRPr lang="en-US"/>
           </a:p>
@@ -2547,7 +2547,7 @@
           <a:p>
             <a:fld id="{8B2F8DF3-7CFE-4C7E-A62E-FD00A81FB0CD}" type="datetimeFigureOut">
               <a:rPr lang="en-US" smtClean="0"/>
-              <a:t>3/4/19</a:t>
+              <a:t>3/5/19</a:t>
             </a:fld>
             <a:endParaRPr lang="en-US"/>
           </a:p>
@@ -2957,7 +2957,7 @@
           <p:cNvPr id="4" name="TextBox 3">
             <a:extLst>
               <a:ext uri="{FF2B5EF4-FFF2-40B4-BE49-F238E27FC236}">
-                <a16:creationId xmlns:a16="http://schemas.microsoft.com/office/drawing/2014/main" xmlns="" id="{3151A13B-9509-43FA-BFEB-1D9866A00B84}"/>
+                <a16:creationId xmlns="" xmlns:a16="http://schemas.microsoft.com/office/drawing/2014/main" id="{3151A13B-9509-43FA-BFEB-1D9866A00B84}"/>
               </a:ext>
             </a:extLst>
           </p:cNvPr>
@@ -3001,7 +3001,7 @@
           <p:cNvPr id="5" name="Table 4">
             <a:extLst>
               <a:ext uri="{FF2B5EF4-FFF2-40B4-BE49-F238E27FC236}">
-                <a16:creationId xmlns:a16="http://schemas.microsoft.com/office/drawing/2014/main" xmlns="" id="{F545FAB8-F1CE-4886-9BDE-E772BCB0A9C4}"/>
+                <a16:creationId xmlns="" xmlns:a16="http://schemas.microsoft.com/office/drawing/2014/main" id="{F545FAB8-F1CE-4886-9BDE-E772BCB0A9C4}"/>
               </a:ext>
             </a:extLst>
           </p:cNvPr>
@@ -3011,7 +3011,7 @@
           <p:nvPr>
             <p:extLst>
               <p:ext uri="{D42A27DB-BD31-4B8C-83A1-F6EECF244321}">
-                <p14:modId xmlns:p14="http://schemas.microsoft.com/office/powerpoint/2010/main" val="345733090"/>
+                <p14:modId xmlns:p14="http://schemas.microsoft.com/office/powerpoint/2010/main" val="406955284"/>
               </p:ext>
             </p:extLst>
           </p:nvPr>
@@ -3030,7 +3030,7 @@
                 <a:gridCol w="1833356">
                   <a:extLst>
                     <a:ext uri="{9D8B030D-6E8A-4147-A177-3AD203B41FA5}">
-                      <a16:colId xmlns:a16="http://schemas.microsoft.com/office/drawing/2014/main" xmlns="" val="4240773277"/>
+                      <a16:colId xmlns="" xmlns:a16="http://schemas.microsoft.com/office/drawing/2014/main" val="4240773277"/>
                     </a:ext>
                   </a:extLst>
                 </a:gridCol>
@@ -3042,12 +3042,12 @@
                     <a:lstStyle/>
                     <a:p>
                       <a:r>
-                        <a:rPr lang="en-SG" u="sng" smtClean="0"/>
+                        <a:rPr lang="en-SG" u="sng" dirty="0" smtClean="0"/>
                         <a:t>b0:</a:t>
                       </a:r>
                       <a:r>
-                        <a:rPr lang="en-SG" sz="1800" u="sng" smtClean="0"/>
-                        <a:t>BookList</a:t>
+                        <a:rPr lang="en-SG" sz="1800" u="sng" dirty="0" smtClean="0"/>
+                        <a:t>BookShelf</a:t>
                       </a:r>
                       <a:endParaRPr lang="en-SG" sz="1600" u="sng" dirty="0"/>
                     </a:p>
@@ -3056,7 +3056,7 @@
                 </a:tc>
                 <a:extLst>
                   <a:ext uri="{0D108BD9-81ED-4DB2-BD59-A6C34878D82A}">
-                    <a16:rowId xmlns:a16="http://schemas.microsoft.com/office/drawing/2014/main" xmlns="" val="2194462629"/>
+                    <a16:rowId xmlns="" xmlns:a16="http://schemas.microsoft.com/office/drawing/2014/main" val="2194462629"/>
                   </a:ext>
                 </a:extLst>
               </a:tr>
@@ -3115,7 +3115,7 @@
           <p:cNvPr id="3" name="Straight Arrow Connector 2">
             <a:extLst>
               <a:ext uri="{FF2B5EF4-FFF2-40B4-BE49-F238E27FC236}">
-                <a16:creationId xmlns:a16="http://schemas.microsoft.com/office/drawing/2014/main" xmlns="" id="{19F1196F-B136-4E44-A8A5-68CAEED3CD2E}"/>
+                <a16:creationId xmlns="" xmlns:a16="http://schemas.microsoft.com/office/drawing/2014/main" id="{19F1196F-B136-4E44-A8A5-68CAEED3CD2E}"/>
               </a:ext>
             </a:extLst>
           </p:cNvPr>

--- a/docs/diagrams/UndoRedoStartingStateListDiagram.pptx
+++ b/docs/diagrams/UndoRedoStartingStateListDiagram.pptx
@@ -2957,7 +2957,7 @@
           <p:cNvPr id="4" name="TextBox 3">
             <a:extLst>
               <a:ext uri="{FF2B5EF4-FFF2-40B4-BE49-F238E27FC236}">
-                <a16:creationId xmlns="" xmlns:a16="http://schemas.microsoft.com/office/drawing/2014/main" id="{3151A13B-9509-43FA-BFEB-1D9866A00B84}"/>
+                <a16:creationId xmlns:a16="http://schemas.microsoft.com/office/drawing/2014/main" xmlns="" id="{3151A13B-9509-43FA-BFEB-1D9866A00B84}"/>
               </a:ext>
             </a:extLst>
           </p:cNvPr>
@@ -3001,7 +3001,7 @@
           <p:cNvPr id="5" name="Table 4">
             <a:extLst>
               <a:ext uri="{FF2B5EF4-FFF2-40B4-BE49-F238E27FC236}">
-                <a16:creationId xmlns="" xmlns:a16="http://schemas.microsoft.com/office/drawing/2014/main" id="{F545FAB8-F1CE-4886-9BDE-E772BCB0A9C4}"/>
+                <a16:creationId xmlns:a16="http://schemas.microsoft.com/office/drawing/2014/main" xmlns="" id="{F545FAB8-F1CE-4886-9BDE-E772BCB0A9C4}"/>
               </a:ext>
             </a:extLst>
           </p:cNvPr>
@@ -3011,7 +3011,7 @@
           <p:nvPr>
             <p:extLst>
               <p:ext uri="{D42A27DB-BD31-4B8C-83A1-F6EECF244321}">
-                <p14:modId xmlns:p14="http://schemas.microsoft.com/office/powerpoint/2010/main" val="406955284"/>
+                <p14:modId xmlns:p14="http://schemas.microsoft.com/office/powerpoint/2010/main" val="1353280090"/>
               </p:ext>
             </p:extLst>
           </p:nvPr>
@@ -3030,7 +3030,7 @@
                 <a:gridCol w="1833356">
                   <a:extLst>
                     <a:ext uri="{9D8B030D-6E8A-4147-A177-3AD203B41FA5}">
-                      <a16:colId xmlns="" xmlns:a16="http://schemas.microsoft.com/office/drawing/2014/main" val="4240773277"/>
+                      <a16:colId xmlns:a16="http://schemas.microsoft.com/office/drawing/2014/main" xmlns="" val="4240773277"/>
                     </a:ext>
                   </a:extLst>
                 </a:gridCol>
@@ -3056,7 +3056,7 @@
                 </a:tc>
                 <a:extLst>
                   <a:ext uri="{0D108BD9-81ED-4DB2-BD59-A6C34878D82A}">
-                    <a16:rowId xmlns="" xmlns:a16="http://schemas.microsoft.com/office/drawing/2014/main" val="2194462629"/>
+                    <a16:rowId xmlns:a16="http://schemas.microsoft.com/office/drawing/2014/main" xmlns="" val="2194462629"/>
                   </a:ext>
                 </a:extLst>
               </a:tr>
@@ -3115,7 +3115,7 @@
           <p:cNvPr id="3" name="Straight Arrow Connector 2">
             <a:extLst>
               <a:ext uri="{FF2B5EF4-FFF2-40B4-BE49-F238E27FC236}">
-                <a16:creationId xmlns="" xmlns:a16="http://schemas.microsoft.com/office/drawing/2014/main" id="{19F1196F-B136-4E44-A8A5-68CAEED3CD2E}"/>
+                <a16:creationId xmlns:a16="http://schemas.microsoft.com/office/drawing/2014/main" xmlns="" id="{19F1196F-B136-4E44-A8A5-68CAEED3CD2E}"/>
               </a:ext>
             </a:extLst>
           </p:cNvPr>

--- a/docs/diagrams/UndoRedoStartingStateListDiagram.pptx
+++ b/docs/diagrams/UndoRedoStartingStateListDiagram.pptx
@@ -245,7 +245,7 @@
           <a:p>
             <a:fld id="{8B2F8DF3-7CFE-4C7E-A62E-FD00A81FB0CD}" type="datetimeFigureOut">
               <a:rPr lang="en-US" smtClean="0"/>
-              <a:t>7/6/2018</a:t>
+              <a:t>3/5/19</a:t>
             </a:fld>
             <a:endParaRPr lang="en-US"/>
           </a:p>
@@ -413,7 +413,7 @@
           <a:p>
             <a:fld id="{8B2F8DF3-7CFE-4C7E-A62E-FD00A81FB0CD}" type="datetimeFigureOut">
               <a:rPr lang="en-US" smtClean="0"/>
-              <a:t>7/6/2018</a:t>
+              <a:t>3/5/19</a:t>
             </a:fld>
             <a:endParaRPr lang="en-US"/>
           </a:p>
@@ -591,7 +591,7 @@
           <a:p>
             <a:fld id="{8B2F8DF3-7CFE-4C7E-A62E-FD00A81FB0CD}" type="datetimeFigureOut">
               <a:rPr lang="en-US" smtClean="0"/>
-              <a:t>7/6/2018</a:t>
+              <a:t>3/5/19</a:t>
             </a:fld>
             <a:endParaRPr lang="en-US"/>
           </a:p>
@@ -759,7 +759,7 @@
           <a:p>
             <a:fld id="{8B2F8DF3-7CFE-4C7E-A62E-FD00A81FB0CD}" type="datetimeFigureOut">
               <a:rPr lang="en-US" smtClean="0"/>
-              <a:t>7/6/2018</a:t>
+              <a:t>3/5/19</a:t>
             </a:fld>
             <a:endParaRPr lang="en-US"/>
           </a:p>
@@ -1004,7 +1004,7 @@
           <a:p>
             <a:fld id="{8B2F8DF3-7CFE-4C7E-A62E-FD00A81FB0CD}" type="datetimeFigureOut">
               <a:rPr lang="en-US" smtClean="0"/>
-              <a:t>7/6/2018</a:t>
+              <a:t>3/5/19</a:t>
             </a:fld>
             <a:endParaRPr lang="en-US"/>
           </a:p>
@@ -1233,7 +1233,7 @@
           <a:p>
             <a:fld id="{8B2F8DF3-7CFE-4C7E-A62E-FD00A81FB0CD}" type="datetimeFigureOut">
               <a:rPr lang="en-US" smtClean="0"/>
-              <a:t>7/6/2018</a:t>
+              <a:t>3/5/19</a:t>
             </a:fld>
             <a:endParaRPr lang="en-US"/>
           </a:p>
@@ -1597,7 +1597,7 @@
           <a:p>
             <a:fld id="{8B2F8DF3-7CFE-4C7E-A62E-FD00A81FB0CD}" type="datetimeFigureOut">
               <a:rPr lang="en-US" smtClean="0"/>
-              <a:t>7/6/2018</a:t>
+              <a:t>3/5/19</a:t>
             </a:fld>
             <a:endParaRPr lang="en-US"/>
           </a:p>
@@ -1714,7 +1714,7 @@
           <a:p>
             <a:fld id="{8B2F8DF3-7CFE-4C7E-A62E-FD00A81FB0CD}" type="datetimeFigureOut">
               <a:rPr lang="en-US" smtClean="0"/>
-              <a:t>7/6/2018</a:t>
+              <a:t>3/5/19</a:t>
             </a:fld>
             <a:endParaRPr lang="en-US"/>
           </a:p>
@@ -1809,7 +1809,7 @@
           <a:p>
             <a:fld id="{8B2F8DF3-7CFE-4C7E-A62E-FD00A81FB0CD}" type="datetimeFigureOut">
               <a:rPr lang="en-US" smtClean="0"/>
-              <a:t>7/6/2018</a:t>
+              <a:t>3/5/19</a:t>
             </a:fld>
             <a:endParaRPr lang="en-US"/>
           </a:p>
@@ -2084,7 +2084,7 @@
           <a:p>
             <a:fld id="{8B2F8DF3-7CFE-4C7E-A62E-FD00A81FB0CD}" type="datetimeFigureOut">
               <a:rPr lang="en-US" smtClean="0"/>
-              <a:t>7/6/2018</a:t>
+              <a:t>3/5/19</a:t>
             </a:fld>
             <a:endParaRPr lang="en-US"/>
           </a:p>
@@ -2336,7 +2336,7 @@
           <a:p>
             <a:fld id="{8B2F8DF3-7CFE-4C7E-A62E-FD00A81FB0CD}" type="datetimeFigureOut">
               <a:rPr lang="en-US" smtClean="0"/>
-              <a:t>7/6/2018</a:t>
+              <a:t>3/5/19</a:t>
             </a:fld>
             <a:endParaRPr lang="en-US"/>
           </a:p>
@@ -2547,7 +2547,7 @@
           <a:p>
             <a:fld id="{8B2F8DF3-7CFE-4C7E-A62E-FD00A81FB0CD}" type="datetimeFigureOut">
               <a:rPr lang="en-US" smtClean="0"/>
-              <a:t>7/6/2018</a:t>
+              <a:t>3/5/19</a:t>
             </a:fld>
             <a:endParaRPr lang="en-US"/>
           </a:p>
@@ -2957,7 +2957,7 @@
           <p:cNvPr id="4" name="TextBox 3">
             <a:extLst>
               <a:ext uri="{FF2B5EF4-FFF2-40B4-BE49-F238E27FC236}">
-                <a16:creationId xmlns:a16="http://schemas.microsoft.com/office/drawing/2014/main" id="{3151A13B-9509-43FA-BFEB-1D9866A00B84}"/>
+                <a16:creationId xmlns:a16="http://schemas.microsoft.com/office/drawing/2014/main" xmlns="" id="{3151A13B-9509-43FA-BFEB-1D9866A00B84}"/>
               </a:ext>
             </a:extLst>
           </p:cNvPr>
@@ -3001,7 +3001,7 @@
           <p:cNvPr id="5" name="Table 4">
             <a:extLst>
               <a:ext uri="{FF2B5EF4-FFF2-40B4-BE49-F238E27FC236}">
-                <a16:creationId xmlns:a16="http://schemas.microsoft.com/office/drawing/2014/main" id="{F545FAB8-F1CE-4886-9BDE-E772BCB0A9C4}"/>
+                <a16:creationId xmlns:a16="http://schemas.microsoft.com/office/drawing/2014/main" xmlns="" id="{F545FAB8-F1CE-4886-9BDE-E772BCB0A9C4}"/>
               </a:ext>
             </a:extLst>
           </p:cNvPr>
@@ -3011,7 +3011,7 @@
           <p:nvPr>
             <p:extLst>
               <p:ext uri="{D42A27DB-BD31-4B8C-83A1-F6EECF244321}">
-                <p14:modId xmlns:p14="http://schemas.microsoft.com/office/powerpoint/2010/main" val="1292556626"/>
+                <p14:modId xmlns:p14="http://schemas.microsoft.com/office/powerpoint/2010/main" val="1353280090"/>
               </p:ext>
             </p:extLst>
           </p:nvPr>
@@ -3030,7 +3030,7 @@
                 <a:gridCol w="1833356">
                   <a:extLst>
                     <a:ext uri="{9D8B030D-6E8A-4147-A177-3AD203B41FA5}">
-                      <a16:colId xmlns:a16="http://schemas.microsoft.com/office/drawing/2014/main" val="4240773277"/>
+                      <a16:colId xmlns:a16="http://schemas.microsoft.com/office/drawing/2014/main" xmlns="" val="4240773277"/>
                     </a:ext>
                   </a:extLst>
                 </a:gridCol>
@@ -3042,12 +3042,12 @@
                     <a:lstStyle/>
                     <a:p>
                       <a:r>
-                        <a:rPr lang="en-SG" u="sng" dirty="0"/>
-                        <a:t>ab0:</a:t>
+                        <a:rPr lang="en-SG" u="sng" dirty="0" smtClean="0"/>
+                        <a:t>b0:</a:t>
                       </a:r>
                       <a:r>
-                        <a:rPr lang="en-SG" sz="1800" u="sng" dirty="0"/>
-                        <a:t>AddressBook</a:t>
+                        <a:rPr lang="en-SG" sz="1800" u="sng" dirty="0" smtClean="0"/>
+                        <a:t>BookShelf</a:t>
                       </a:r>
                       <a:endParaRPr lang="en-SG" sz="1600" u="sng" dirty="0"/>
                     </a:p>
@@ -3056,7 +3056,7 @@
                 </a:tc>
                 <a:extLst>
                   <a:ext uri="{0D108BD9-81ED-4DB2-BD59-A6C34878D82A}">
-                    <a16:rowId xmlns:a16="http://schemas.microsoft.com/office/drawing/2014/main" val="2194462629"/>
+                    <a16:rowId xmlns:a16="http://schemas.microsoft.com/office/drawing/2014/main" xmlns="" val="2194462629"/>
                   </a:ext>
                 </a:extLst>
               </a:tr>
@@ -3115,7 +3115,7 @@
           <p:cNvPr id="3" name="Straight Arrow Connector 2">
             <a:extLst>
               <a:ext uri="{FF2B5EF4-FFF2-40B4-BE49-F238E27FC236}">
-                <a16:creationId xmlns:a16="http://schemas.microsoft.com/office/drawing/2014/main" id="{19F1196F-B136-4E44-A8A5-68CAEED3CD2E}"/>
+                <a16:creationId xmlns:a16="http://schemas.microsoft.com/office/drawing/2014/main" xmlns="" id="{19F1196F-B136-4E44-A8A5-68CAEED3CD2E}"/>
               </a:ext>
             </a:extLst>
           </p:cNvPr>

--- a/docs/diagrams/UndoRedoStartingStateListDiagram.pptx
+++ b/docs/diagrams/UndoRedoStartingStateListDiagram.pptx
@@ -112,10 +112,6 @@
 </p:presentation>
 </file>
 
-<file path=ppt/revisionInfo.xml><?xml version="1.0" encoding="utf-8"?>
-<p1510:revInfo xmlns:a="http://schemas.openxmlformats.org/drawingml/2006/main" xmlns:r="http://schemas.openxmlformats.org/officeDocument/2006/relationships" xmlns:p1510="http://schemas.microsoft.com/office/powerpoint/2015/10/main"/>
-</file>
-
 <file path=ppt/slideLayouts/slideLayout1.xml><?xml version="1.0" encoding="utf-8"?>
 <p:sldLayout xmlns:a="http://schemas.openxmlformats.org/drawingml/2006/main" xmlns:r="http://schemas.openxmlformats.org/officeDocument/2006/relationships" xmlns:p="http://schemas.openxmlformats.org/presentationml/2006/main" type="title" preserve="1">
   <p:cSld name="Title Slide">
@@ -245,7 +241,7 @@
           <a:p>
             <a:fld id="{8B2F8DF3-7CFE-4C7E-A62E-FD00A81FB0CD}" type="datetimeFigureOut">
               <a:rPr lang="en-US" smtClean="0"/>
-              <a:t>7/6/2018</a:t>
+              <a:t>3/17/2019</a:t>
             </a:fld>
             <a:endParaRPr lang="en-US"/>
           </a:p>
@@ -413,7 +409,7 @@
           <a:p>
             <a:fld id="{8B2F8DF3-7CFE-4C7E-A62E-FD00A81FB0CD}" type="datetimeFigureOut">
               <a:rPr lang="en-US" smtClean="0"/>
-              <a:t>7/6/2018</a:t>
+              <a:t>3/17/2019</a:t>
             </a:fld>
             <a:endParaRPr lang="en-US"/>
           </a:p>
@@ -591,7 +587,7 @@
           <a:p>
             <a:fld id="{8B2F8DF3-7CFE-4C7E-A62E-FD00A81FB0CD}" type="datetimeFigureOut">
               <a:rPr lang="en-US" smtClean="0"/>
-              <a:t>7/6/2018</a:t>
+              <a:t>3/17/2019</a:t>
             </a:fld>
             <a:endParaRPr lang="en-US"/>
           </a:p>
@@ -759,7 +755,7 @@
           <a:p>
             <a:fld id="{8B2F8DF3-7CFE-4C7E-A62E-FD00A81FB0CD}" type="datetimeFigureOut">
               <a:rPr lang="en-US" smtClean="0"/>
-              <a:t>7/6/2018</a:t>
+              <a:t>3/17/2019</a:t>
             </a:fld>
             <a:endParaRPr lang="en-US"/>
           </a:p>
@@ -1004,7 +1000,7 @@
           <a:p>
             <a:fld id="{8B2F8DF3-7CFE-4C7E-A62E-FD00A81FB0CD}" type="datetimeFigureOut">
               <a:rPr lang="en-US" smtClean="0"/>
-              <a:t>7/6/2018</a:t>
+              <a:t>3/17/2019</a:t>
             </a:fld>
             <a:endParaRPr lang="en-US"/>
           </a:p>
@@ -1233,7 +1229,7 @@
           <a:p>
             <a:fld id="{8B2F8DF3-7CFE-4C7E-A62E-FD00A81FB0CD}" type="datetimeFigureOut">
               <a:rPr lang="en-US" smtClean="0"/>
-              <a:t>7/6/2018</a:t>
+              <a:t>3/17/2019</a:t>
             </a:fld>
             <a:endParaRPr lang="en-US"/>
           </a:p>
@@ -1597,7 +1593,7 @@
           <a:p>
             <a:fld id="{8B2F8DF3-7CFE-4C7E-A62E-FD00A81FB0CD}" type="datetimeFigureOut">
               <a:rPr lang="en-US" smtClean="0"/>
-              <a:t>7/6/2018</a:t>
+              <a:t>3/17/2019</a:t>
             </a:fld>
             <a:endParaRPr lang="en-US"/>
           </a:p>
@@ -1714,7 +1710,7 @@
           <a:p>
             <a:fld id="{8B2F8DF3-7CFE-4C7E-A62E-FD00A81FB0CD}" type="datetimeFigureOut">
               <a:rPr lang="en-US" smtClean="0"/>
-              <a:t>7/6/2018</a:t>
+              <a:t>3/17/2019</a:t>
             </a:fld>
             <a:endParaRPr lang="en-US"/>
           </a:p>
@@ -1809,7 +1805,7 @@
           <a:p>
             <a:fld id="{8B2F8DF3-7CFE-4C7E-A62E-FD00A81FB0CD}" type="datetimeFigureOut">
               <a:rPr lang="en-US" smtClean="0"/>
-              <a:t>7/6/2018</a:t>
+              <a:t>3/17/2019</a:t>
             </a:fld>
             <a:endParaRPr lang="en-US"/>
           </a:p>
@@ -2084,7 +2080,7 @@
           <a:p>
             <a:fld id="{8B2F8DF3-7CFE-4C7E-A62E-FD00A81FB0CD}" type="datetimeFigureOut">
               <a:rPr lang="en-US" smtClean="0"/>
-              <a:t>7/6/2018</a:t>
+              <a:t>3/17/2019</a:t>
             </a:fld>
             <a:endParaRPr lang="en-US"/>
           </a:p>
@@ -2336,7 +2332,7 @@
           <a:p>
             <a:fld id="{8B2F8DF3-7CFE-4C7E-A62E-FD00A81FB0CD}" type="datetimeFigureOut">
               <a:rPr lang="en-US" smtClean="0"/>
-              <a:t>7/6/2018</a:t>
+              <a:t>3/17/2019</a:t>
             </a:fld>
             <a:endParaRPr lang="en-US"/>
           </a:p>
@@ -2547,7 +2543,7 @@
           <a:p>
             <a:fld id="{8B2F8DF3-7CFE-4C7E-A62E-FD00A81FB0CD}" type="datetimeFigureOut">
               <a:rPr lang="en-US" smtClean="0"/>
-              <a:t>7/6/2018</a:t>
+              <a:t>3/17/2019</a:t>
             </a:fld>
             <a:endParaRPr lang="en-US"/>
           </a:p>
@@ -2996,74 +2992,6 @@
           </a:p>
         </p:txBody>
       </p:sp>
-      <p:graphicFrame>
-        <p:nvGraphicFramePr>
-          <p:cNvPr id="5" name="Table 4">
-            <a:extLst>
-              <a:ext uri="{FF2B5EF4-FFF2-40B4-BE49-F238E27FC236}">
-                <a16:creationId xmlns:a16="http://schemas.microsoft.com/office/drawing/2014/main" id="{F545FAB8-F1CE-4886-9BDE-E772BCB0A9C4}"/>
-              </a:ext>
-            </a:extLst>
-          </p:cNvPr>
-          <p:cNvGraphicFramePr>
-            <a:graphicFrameLocks noGrp="1"/>
-          </p:cNvGraphicFramePr>
-          <p:nvPr>
-            <p:extLst>
-              <p:ext uri="{D42A27DB-BD31-4B8C-83A1-F6EECF244321}">
-                <p14:modId xmlns:p14="http://schemas.microsoft.com/office/powerpoint/2010/main" val="1292556626"/>
-              </p:ext>
-            </p:extLst>
-          </p:nvPr>
-        </p:nvGraphicFramePr>
-        <p:xfrm>
-          <a:off x="637997" y="2769442"/>
-          <a:ext cx="1833356" cy="410363"/>
-        </p:xfrm>
-        <a:graphic>
-          <a:graphicData uri="http://schemas.openxmlformats.org/drawingml/2006/table">
-            <a:tbl>
-              <a:tblPr>
-                <a:tableStyleId>{638B1855-1B75-4FBE-930C-398BA8C253C6}</a:tableStyleId>
-              </a:tblPr>
-              <a:tblGrid>
-                <a:gridCol w="1833356">
-                  <a:extLst>
-                    <a:ext uri="{9D8B030D-6E8A-4147-A177-3AD203B41FA5}">
-                      <a16:colId xmlns:a16="http://schemas.microsoft.com/office/drawing/2014/main" val="4240773277"/>
-                    </a:ext>
-                  </a:extLst>
-                </a:gridCol>
-              </a:tblGrid>
-              <a:tr h="410363">
-                <a:tc>
-                  <a:txBody>
-                    <a:bodyPr/>
-                    <a:lstStyle/>
-                    <a:p>
-                      <a:r>
-                        <a:rPr lang="en-SG" u="sng" dirty="0"/>
-                        <a:t>ab0:</a:t>
-                      </a:r>
-                      <a:r>
-                        <a:rPr lang="en-SG" sz="1800" u="sng" dirty="0"/>
-                        <a:t>AddressBook</a:t>
-                      </a:r>
-                      <a:endParaRPr lang="en-SG" sz="1600" u="sng" dirty="0"/>
-                    </a:p>
-                  </a:txBody>
-                  <a:tcPr/>
-                </a:tc>
-                <a:extLst>
-                  <a:ext uri="{0D108BD9-81ED-4DB2-BD59-A6C34878D82A}">
-                    <a16:rowId xmlns:a16="http://schemas.microsoft.com/office/drawing/2014/main" val="2194462629"/>
-                  </a:ext>
-                </a:extLst>
-              </a:tr>
-            </a:tbl>
-          </a:graphicData>
-        </a:graphic>
-      </p:graphicFrame>
       <p:sp>
         <p:nvSpPr>
           <p:cNvPr id="7" name="Rectangle 6"/>
@@ -3126,7 +3054,7 @@
         </p:nvCxnSpPr>
         <p:spPr>
           <a:xfrm flipV="1">
-            <a:off x="1577130" y="3347207"/>
+            <a:off x="1768257" y="3347207"/>
             <a:ext cx="0" cy="706873"/>
           </a:xfrm>
           <a:prstGeom prst="straightConnector1">
@@ -3154,6 +3082,75 @@
           </a:fontRef>
         </p:style>
       </p:cxnSp>
+      <p:graphicFrame>
+        <p:nvGraphicFramePr>
+          <p:cNvPr id="6" name="Table 5">
+            <a:extLst>
+              <a:ext uri="{FF2B5EF4-FFF2-40B4-BE49-F238E27FC236}">
+                <a16:creationId xmlns:a16="http://schemas.microsoft.com/office/drawing/2014/main" id="{CA23659F-41BF-4EF5-A989-03DB6A0DC888}"/>
+              </a:ext>
+            </a:extLst>
+          </p:cNvPr>
+          <p:cNvGraphicFramePr>
+            <a:graphicFrameLocks noGrp="1"/>
+          </p:cNvGraphicFramePr>
+          <p:nvPr>
+            <p:extLst>
+              <p:ext uri="{D42A27DB-BD31-4B8C-83A1-F6EECF244321}">
+                <p14:modId xmlns:p14="http://schemas.microsoft.com/office/powerpoint/2010/main" val="1353994647"/>
+              </p:ext>
+            </p:extLst>
+          </p:nvPr>
+        </p:nvGraphicFramePr>
+        <p:xfrm>
+          <a:off x="666408" y="2754963"/>
+          <a:ext cx="2203698" cy="417888"/>
+        </p:xfrm>
+        <a:graphic>
+          <a:graphicData uri="http://schemas.openxmlformats.org/drawingml/2006/table">
+            <a:tbl>
+              <a:tblPr>
+                <a:tableStyleId>{638B1855-1B75-4FBE-930C-398BA8C253C6}</a:tableStyleId>
+              </a:tblPr>
+              <a:tblGrid>
+                <a:gridCol w="2203698">
+                  <a:extLst>
+                    <a:ext uri="{9D8B030D-6E8A-4147-A177-3AD203B41FA5}">
+                      <a16:colId xmlns:a16="http://schemas.microsoft.com/office/drawing/2014/main" val="4240773277"/>
+                    </a:ext>
+                  </a:extLst>
+                </a:gridCol>
+              </a:tblGrid>
+              <a:tr h="417888">
+                <a:tc>
+                  <a:txBody>
+                    <a:bodyPr/>
+                    <a:lstStyle/>
+                    <a:p>
+                      <a:pPr algn="ctr"/>
+                      <a:r>
+                        <a:rPr lang="en-SG" u="sng" dirty="0"/>
+                        <a:t>inventory0:</a:t>
+                      </a:r>
+                      <a:r>
+                        <a:rPr lang="en-SG" sz="1800" u="sng" dirty="0"/>
+                        <a:t>Inventory</a:t>
+                      </a:r>
+                      <a:endParaRPr lang="en-SG" u="sng" dirty="0"/>
+                    </a:p>
+                  </a:txBody>
+                  <a:tcPr/>
+                </a:tc>
+                <a:extLst>
+                  <a:ext uri="{0D108BD9-81ED-4DB2-BD59-A6C34878D82A}">
+                    <a16:rowId xmlns:a16="http://schemas.microsoft.com/office/drawing/2014/main" val="2194462629"/>
+                  </a:ext>
+                </a:extLst>
+              </a:tr>
+            </a:tbl>
+          </a:graphicData>
+        </a:graphic>
+      </p:graphicFrame>
     </p:spTree>
     <p:extLst>
       <p:ext uri="{BB962C8B-B14F-4D97-AF65-F5344CB8AC3E}">

--- a/docs/diagrams/UndoRedoStartingStateListDiagram.pptx
+++ b/docs/diagrams/UndoRedoStartingStateListDiagram.pptx
@@ -112,10 +112,6 @@
 </p:presentation>
 </file>
 
-<file path=ppt/revisionInfo.xml><?xml version="1.0" encoding="utf-8"?>
-<p1510:revInfo xmlns:a="http://schemas.openxmlformats.org/drawingml/2006/main" xmlns:r="http://schemas.openxmlformats.org/officeDocument/2006/relationships" xmlns:p1510="http://schemas.microsoft.com/office/powerpoint/2015/10/main"/>
-</file>
-
 <file path=ppt/slideLayouts/slideLayout1.xml><?xml version="1.0" encoding="utf-8"?>
 <p:sldLayout xmlns:a="http://schemas.openxmlformats.org/drawingml/2006/main" xmlns:r="http://schemas.openxmlformats.org/officeDocument/2006/relationships" xmlns:p="http://schemas.openxmlformats.org/presentationml/2006/main" type="title" preserve="1">
   <p:cSld name="Title Slide">
@@ -245,7 +241,7 @@
           <a:p>
             <a:fld id="{8B2F8DF3-7CFE-4C7E-A62E-FD00A81FB0CD}" type="datetimeFigureOut">
               <a:rPr lang="en-US" smtClean="0"/>
-              <a:t>7/6/2018</a:t>
+              <a:t>3/18/19</a:t>
             </a:fld>
             <a:endParaRPr lang="en-US"/>
           </a:p>
@@ -413,7 +409,7 @@
           <a:p>
             <a:fld id="{8B2F8DF3-7CFE-4C7E-A62E-FD00A81FB0CD}" type="datetimeFigureOut">
               <a:rPr lang="en-US" smtClean="0"/>
-              <a:t>7/6/2018</a:t>
+              <a:t>3/18/19</a:t>
             </a:fld>
             <a:endParaRPr lang="en-US"/>
           </a:p>
@@ -591,7 +587,7 @@
           <a:p>
             <a:fld id="{8B2F8DF3-7CFE-4C7E-A62E-FD00A81FB0CD}" type="datetimeFigureOut">
               <a:rPr lang="en-US" smtClean="0"/>
-              <a:t>7/6/2018</a:t>
+              <a:t>3/18/19</a:t>
             </a:fld>
             <a:endParaRPr lang="en-US"/>
           </a:p>
@@ -759,7 +755,7 @@
           <a:p>
             <a:fld id="{8B2F8DF3-7CFE-4C7E-A62E-FD00A81FB0CD}" type="datetimeFigureOut">
               <a:rPr lang="en-US" smtClean="0"/>
-              <a:t>7/6/2018</a:t>
+              <a:t>3/18/19</a:t>
             </a:fld>
             <a:endParaRPr lang="en-US"/>
           </a:p>
@@ -1004,7 +1000,7 @@
           <a:p>
             <a:fld id="{8B2F8DF3-7CFE-4C7E-A62E-FD00A81FB0CD}" type="datetimeFigureOut">
               <a:rPr lang="en-US" smtClean="0"/>
-              <a:t>7/6/2018</a:t>
+              <a:t>3/18/19</a:t>
             </a:fld>
             <a:endParaRPr lang="en-US"/>
           </a:p>
@@ -1233,7 +1229,7 @@
           <a:p>
             <a:fld id="{8B2F8DF3-7CFE-4C7E-A62E-FD00A81FB0CD}" type="datetimeFigureOut">
               <a:rPr lang="en-US" smtClean="0"/>
-              <a:t>7/6/2018</a:t>
+              <a:t>3/18/19</a:t>
             </a:fld>
             <a:endParaRPr lang="en-US"/>
           </a:p>
@@ -1597,7 +1593,7 @@
           <a:p>
             <a:fld id="{8B2F8DF3-7CFE-4C7E-A62E-FD00A81FB0CD}" type="datetimeFigureOut">
               <a:rPr lang="en-US" smtClean="0"/>
-              <a:t>7/6/2018</a:t>
+              <a:t>3/18/19</a:t>
             </a:fld>
             <a:endParaRPr lang="en-US"/>
           </a:p>
@@ -1714,7 +1710,7 @@
           <a:p>
             <a:fld id="{8B2F8DF3-7CFE-4C7E-A62E-FD00A81FB0CD}" type="datetimeFigureOut">
               <a:rPr lang="en-US" smtClean="0"/>
-              <a:t>7/6/2018</a:t>
+              <a:t>3/18/19</a:t>
             </a:fld>
             <a:endParaRPr lang="en-US"/>
           </a:p>
@@ -1809,7 +1805,7 @@
           <a:p>
             <a:fld id="{8B2F8DF3-7CFE-4C7E-A62E-FD00A81FB0CD}" type="datetimeFigureOut">
               <a:rPr lang="en-US" smtClean="0"/>
-              <a:t>7/6/2018</a:t>
+              <a:t>3/18/19</a:t>
             </a:fld>
             <a:endParaRPr lang="en-US"/>
           </a:p>
@@ -2084,7 +2080,7 @@
           <a:p>
             <a:fld id="{8B2F8DF3-7CFE-4C7E-A62E-FD00A81FB0CD}" type="datetimeFigureOut">
               <a:rPr lang="en-US" smtClean="0"/>
-              <a:t>7/6/2018</a:t>
+              <a:t>3/18/19</a:t>
             </a:fld>
             <a:endParaRPr lang="en-US"/>
           </a:p>
@@ -2336,7 +2332,7 @@
           <a:p>
             <a:fld id="{8B2F8DF3-7CFE-4C7E-A62E-FD00A81FB0CD}" type="datetimeFigureOut">
               <a:rPr lang="en-US" smtClean="0"/>
-              <a:t>7/6/2018</a:t>
+              <a:t>3/18/19</a:t>
             </a:fld>
             <a:endParaRPr lang="en-US"/>
           </a:p>
@@ -2547,7 +2543,7 @@
           <a:p>
             <a:fld id="{8B2F8DF3-7CFE-4C7E-A62E-FD00A81FB0CD}" type="datetimeFigureOut">
               <a:rPr lang="en-US" smtClean="0"/>
-              <a:t>7/6/2018</a:t>
+              <a:t>3/18/19</a:t>
             </a:fld>
             <a:endParaRPr lang="en-US"/>
           </a:p>
@@ -3011,7 +3007,7 @@
           <p:nvPr>
             <p:extLst>
               <p:ext uri="{D42A27DB-BD31-4B8C-83A1-F6EECF244321}">
-                <p14:modId xmlns:p14="http://schemas.microsoft.com/office/powerpoint/2010/main" val="1292556626"/>
+                <p14:modId xmlns:p14="http://schemas.microsoft.com/office/powerpoint/2010/main" val="1619579635"/>
               </p:ext>
             </p:extLst>
           </p:nvPr>
@@ -3043,11 +3039,11 @@
                     <a:p>
                       <a:r>
                         <a:rPr lang="en-SG" u="sng" dirty="0"/>
-                        <a:t>ab0:</a:t>
+                        <a:t>pb0:</a:t>
                       </a:r>
                       <a:r>
                         <a:rPr lang="en-SG" sz="1800" u="sng" dirty="0"/>
-                        <a:t>AddressBook</a:t>
+                        <a:t>PdfBook</a:t>
                       </a:r>
                       <a:endParaRPr lang="en-SG" sz="1600" u="sng" dirty="0"/>
                     </a:p>

--- a/docs/diagrams/UndoRedoStartingStateListDiagram.pptx
+++ b/docs/diagrams/UndoRedoStartingStateListDiagram.pptx
@@ -112,10 +112,6 @@
 </p:presentation>
 </file>
 
-<file path=ppt/revisionInfo.xml><?xml version="1.0" encoding="utf-8"?>
-<p1510:revInfo xmlns:a="http://schemas.openxmlformats.org/drawingml/2006/main" xmlns:r="http://schemas.openxmlformats.org/officeDocument/2006/relationships" xmlns:p1510="http://schemas.microsoft.com/office/powerpoint/2015/10/main"/>
-</file>
-
 <file path=ppt/slideLayouts/slideLayout1.xml><?xml version="1.0" encoding="utf-8"?>
 <p:sldLayout xmlns:a="http://schemas.openxmlformats.org/drawingml/2006/main" xmlns:r="http://schemas.openxmlformats.org/officeDocument/2006/relationships" xmlns:p="http://schemas.openxmlformats.org/presentationml/2006/main" type="title" preserve="1">
   <p:cSld name="Title Slide">
@@ -245,7 +241,7 @@
           <a:p>
             <a:fld id="{8B2F8DF3-7CFE-4C7E-A62E-FD00A81FB0CD}" type="datetimeFigureOut">
               <a:rPr lang="en-US" smtClean="0"/>
-              <a:t>7/6/2018</a:t>
+              <a:t>3/20/19</a:t>
             </a:fld>
             <a:endParaRPr lang="en-US"/>
           </a:p>
@@ -413,7 +409,7 @@
           <a:p>
             <a:fld id="{8B2F8DF3-7CFE-4C7E-A62E-FD00A81FB0CD}" type="datetimeFigureOut">
               <a:rPr lang="en-US" smtClean="0"/>
-              <a:t>7/6/2018</a:t>
+              <a:t>3/20/19</a:t>
             </a:fld>
             <a:endParaRPr lang="en-US"/>
           </a:p>
@@ -591,7 +587,7 @@
           <a:p>
             <a:fld id="{8B2F8DF3-7CFE-4C7E-A62E-FD00A81FB0CD}" type="datetimeFigureOut">
               <a:rPr lang="en-US" smtClean="0"/>
-              <a:t>7/6/2018</a:t>
+              <a:t>3/20/19</a:t>
             </a:fld>
             <a:endParaRPr lang="en-US"/>
           </a:p>
@@ -759,7 +755,7 @@
           <a:p>
             <a:fld id="{8B2F8DF3-7CFE-4C7E-A62E-FD00A81FB0CD}" type="datetimeFigureOut">
               <a:rPr lang="en-US" smtClean="0"/>
-              <a:t>7/6/2018</a:t>
+              <a:t>3/20/19</a:t>
             </a:fld>
             <a:endParaRPr lang="en-US"/>
           </a:p>
@@ -1004,7 +1000,7 @@
           <a:p>
             <a:fld id="{8B2F8DF3-7CFE-4C7E-A62E-FD00A81FB0CD}" type="datetimeFigureOut">
               <a:rPr lang="en-US" smtClean="0"/>
-              <a:t>7/6/2018</a:t>
+              <a:t>3/20/19</a:t>
             </a:fld>
             <a:endParaRPr lang="en-US"/>
           </a:p>
@@ -1233,7 +1229,7 @@
           <a:p>
             <a:fld id="{8B2F8DF3-7CFE-4C7E-A62E-FD00A81FB0CD}" type="datetimeFigureOut">
               <a:rPr lang="en-US" smtClean="0"/>
-              <a:t>7/6/2018</a:t>
+              <a:t>3/20/19</a:t>
             </a:fld>
             <a:endParaRPr lang="en-US"/>
           </a:p>
@@ -1597,7 +1593,7 @@
           <a:p>
             <a:fld id="{8B2F8DF3-7CFE-4C7E-A62E-FD00A81FB0CD}" type="datetimeFigureOut">
               <a:rPr lang="en-US" smtClean="0"/>
-              <a:t>7/6/2018</a:t>
+              <a:t>3/20/19</a:t>
             </a:fld>
             <a:endParaRPr lang="en-US"/>
           </a:p>
@@ -1714,7 +1710,7 @@
           <a:p>
             <a:fld id="{8B2F8DF3-7CFE-4C7E-A62E-FD00A81FB0CD}" type="datetimeFigureOut">
               <a:rPr lang="en-US" smtClean="0"/>
-              <a:t>7/6/2018</a:t>
+              <a:t>3/20/19</a:t>
             </a:fld>
             <a:endParaRPr lang="en-US"/>
           </a:p>
@@ -1809,7 +1805,7 @@
           <a:p>
             <a:fld id="{8B2F8DF3-7CFE-4C7E-A62E-FD00A81FB0CD}" type="datetimeFigureOut">
               <a:rPr lang="en-US" smtClean="0"/>
-              <a:t>7/6/2018</a:t>
+              <a:t>3/20/19</a:t>
             </a:fld>
             <a:endParaRPr lang="en-US"/>
           </a:p>
@@ -2084,7 +2080,7 @@
           <a:p>
             <a:fld id="{8B2F8DF3-7CFE-4C7E-A62E-FD00A81FB0CD}" type="datetimeFigureOut">
               <a:rPr lang="en-US" smtClean="0"/>
-              <a:t>7/6/2018</a:t>
+              <a:t>3/20/19</a:t>
             </a:fld>
             <a:endParaRPr lang="en-US"/>
           </a:p>
@@ -2336,7 +2332,7 @@
           <a:p>
             <a:fld id="{8B2F8DF3-7CFE-4C7E-A62E-FD00A81FB0CD}" type="datetimeFigureOut">
               <a:rPr lang="en-US" smtClean="0"/>
-              <a:t>7/6/2018</a:t>
+              <a:t>3/20/19</a:t>
             </a:fld>
             <a:endParaRPr lang="en-US"/>
           </a:p>
@@ -2547,7 +2543,7 @@
           <a:p>
             <a:fld id="{8B2F8DF3-7CFE-4C7E-A62E-FD00A81FB0CD}" type="datetimeFigureOut">
               <a:rPr lang="en-US" smtClean="0"/>
-              <a:t>7/6/2018</a:t>
+              <a:t>3/20/19</a:t>
             </a:fld>
             <a:endParaRPr lang="en-US"/>
           </a:p>
@@ -2966,7 +2962,7 @@
         </p:nvSpPr>
         <p:spPr>
           <a:xfrm>
-            <a:off x="164757" y="4054080"/>
+            <a:off x="529554" y="4054080"/>
             <a:ext cx="3207000" cy="369332"/>
           </a:xfrm>
           <a:prstGeom prst="rect">
@@ -3011,14 +3007,14 @@
           <p:nvPr>
             <p:extLst>
               <p:ext uri="{D42A27DB-BD31-4B8C-83A1-F6EECF244321}">
-                <p14:modId xmlns:p14="http://schemas.microsoft.com/office/powerpoint/2010/main" val="1292556626"/>
+                <p14:modId xmlns:p14="http://schemas.microsoft.com/office/powerpoint/2010/main" val="1430758842"/>
               </p:ext>
             </p:extLst>
           </p:nvPr>
         </p:nvGraphicFramePr>
         <p:xfrm>
-          <a:off x="637997" y="2769442"/>
-          <a:ext cx="1833356" cy="410363"/>
+          <a:off x="637996" y="2769442"/>
+          <a:ext cx="3207000" cy="410363"/>
         </p:xfrm>
         <a:graphic>
           <a:graphicData uri="http://schemas.openxmlformats.org/drawingml/2006/table">
@@ -3027,7 +3023,7 @@
                 <a:tableStyleId>{638B1855-1B75-4FBE-930C-398BA8C253C6}</a:tableStyleId>
               </a:tblPr>
               <a:tblGrid>
-                <a:gridCol w="1833356">
+                <a:gridCol w="3207000">
                   <a:extLst>
                     <a:ext uri="{9D8B030D-6E8A-4147-A177-3AD203B41FA5}">
                       <a16:colId xmlns:a16="http://schemas.microsoft.com/office/drawing/2014/main" val="4240773277"/>
@@ -3043,11 +3039,11 @@
                     <a:p>
                       <a:r>
                         <a:rPr lang="en-SG" u="sng" dirty="0"/>
-                        <a:t>ab0:</a:t>
+                        <a:t>hms0:</a:t>
                       </a:r>
                       <a:r>
                         <a:rPr lang="en-SG" sz="1800" u="sng" dirty="0"/>
-                        <a:t>AddressBook</a:t>
+                        <a:t>HotelManagementSystem</a:t>
                       </a:r>
                       <a:endParaRPr lang="en-SG" sz="1600" u="sng" dirty="0"/>
                     </a:p>
@@ -3126,7 +3122,7 @@
         </p:nvCxnSpPr>
         <p:spPr>
           <a:xfrm flipV="1">
-            <a:off x="1577130" y="3347207"/>
+            <a:off x="1963992" y="3347207"/>
             <a:ext cx="0" cy="706873"/>
           </a:xfrm>
           <a:prstGeom prst="straightConnector1">

--- a/docs/diagrams/UndoRedoStartingStateListDiagram.pptx
+++ b/docs/diagrams/UndoRedoStartingStateListDiagram.pptx
@@ -241,7 +241,7 @@
           <a:p>
             <a:fld id="{8B2F8DF3-7CFE-4C7E-A62E-FD00A81FB0CD}" type="datetimeFigureOut">
               <a:rPr lang="en-US" smtClean="0"/>
-              <a:t>3/20/19</a:t>
+              <a:t>3/21/19</a:t>
             </a:fld>
             <a:endParaRPr lang="en-US"/>
           </a:p>
@@ -409,7 +409,7 @@
           <a:p>
             <a:fld id="{8B2F8DF3-7CFE-4C7E-A62E-FD00A81FB0CD}" type="datetimeFigureOut">
               <a:rPr lang="en-US" smtClean="0"/>
-              <a:t>3/20/19</a:t>
+              <a:t>3/21/19</a:t>
             </a:fld>
             <a:endParaRPr lang="en-US"/>
           </a:p>
@@ -587,7 +587,7 @@
           <a:p>
             <a:fld id="{8B2F8DF3-7CFE-4C7E-A62E-FD00A81FB0CD}" type="datetimeFigureOut">
               <a:rPr lang="en-US" smtClean="0"/>
-              <a:t>3/20/19</a:t>
+              <a:t>3/21/19</a:t>
             </a:fld>
             <a:endParaRPr lang="en-US"/>
           </a:p>
@@ -755,7 +755,7 @@
           <a:p>
             <a:fld id="{8B2F8DF3-7CFE-4C7E-A62E-FD00A81FB0CD}" type="datetimeFigureOut">
               <a:rPr lang="en-US" smtClean="0"/>
-              <a:t>3/20/19</a:t>
+              <a:t>3/21/19</a:t>
             </a:fld>
             <a:endParaRPr lang="en-US"/>
           </a:p>
@@ -1000,7 +1000,7 @@
           <a:p>
             <a:fld id="{8B2F8DF3-7CFE-4C7E-A62E-FD00A81FB0CD}" type="datetimeFigureOut">
               <a:rPr lang="en-US" smtClean="0"/>
-              <a:t>3/20/19</a:t>
+              <a:t>3/21/19</a:t>
             </a:fld>
             <a:endParaRPr lang="en-US"/>
           </a:p>
@@ -1229,7 +1229,7 @@
           <a:p>
             <a:fld id="{8B2F8DF3-7CFE-4C7E-A62E-FD00A81FB0CD}" type="datetimeFigureOut">
               <a:rPr lang="en-US" smtClean="0"/>
-              <a:t>3/20/19</a:t>
+              <a:t>3/21/19</a:t>
             </a:fld>
             <a:endParaRPr lang="en-US"/>
           </a:p>
@@ -1593,7 +1593,7 @@
           <a:p>
             <a:fld id="{8B2F8DF3-7CFE-4C7E-A62E-FD00A81FB0CD}" type="datetimeFigureOut">
               <a:rPr lang="en-US" smtClean="0"/>
-              <a:t>3/20/19</a:t>
+              <a:t>3/21/19</a:t>
             </a:fld>
             <a:endParaRPr lang="en-US"/>
           </a:p>
@@ -1710,7 +1710,7 @@
           <a:p>
             <a:fld id="{8B2F8DF3-7CFE-4C7E-A62E-FD00A81FB0CD}" type="datetimeFigureOut">
               <a:rPr lang="en-US" smtClean="0"/>
-              <a:t>3/20/19</a:t>
+              <a:t>3/21/19</a:t>
             </a:fld>
             <a:endParaRPr lang="en-US"/>
           </a:p>
@@ -1805,7 +1805,7 @@
           <a:p>
             <a:fld id="{8B2F8DF3-7CFE-4C7E-A62E-FD00A81FB0CD}" type="datetimeFigureOut">
               <a:rPr lang="en-US" smtClean="0"/>
-              <a:t>3/20/19</a:t>
+              <a:t>3/21/19</a:t>
             </a:fld>
             <a:endParaRPr lang="en-US"/>
           </a:p>
@@ -2080,7 +2080,7 @@
           <a:p>
             <a:fld id="{8B2F8DF3-7CFE-4C7E-A62E-FD00A81FB0CD}" type="datetimeFigureOut">
               <a:rPr lang="en-US" smtClean="0"/>
-              <a:t>3/20/19</a:t>
+              <a:t>3/21/19</a:t>
             </a:fld>
             <a:endParaRPr lang="en-US"/>
           </a:p>
@@ -2332,7 +2332,7 @@
           <a:p>
             <a:fld id="{8B2F8DF3-7CFE-4C7E-A62E-FD00A81FB0CD}" type="datetimeFigureOut">
               <a:rPr lang="en-US" smtClean="0"/>
-              <a:t>3/20/19</a:t>
+              <a:t>3/21/19</a:t>
             </a:fld>
             <a:endParaRPr lang="en-US"/>
           </a:p>
@@ -2543,7 +2543,7 @@
           <a:p>
             <a:fld id="{8B2F8DF3-7CFE-4C7E-A62E-FD00A81FB0CD}" type="datetimeFigureOut">
               <a:rPr lang="en-US" smtClean="0"/>
-              <a:t>3/20/19</a:t>
+              <a:t>3/21/19</a:t>
             </a:fld>
             <a:endParaRPr lang="en-US"/>
           </a:p>
@@ -2978,16 +2978,10 @@
           <a:p>
             <a:pPr algn="ctr"/>
             <a:r>
-              <a:rPr lang="en-SG" dirty="0" err="1">
-                <a:latin typeface="Consolas" panose="020B0609020204030204" pitchFamily="49" charset="0"/>
-              </a:rPr>
-              <a:t>currentStatePointer</a:t>
-            </a:r>
-            <a:r>
               <a:rPr lang="en-SG" dirty="0">
                 <a:latin typeface="Consolas" panose="020B0609020204030204" pitchFamily="49" charset="0"/>
               </a:rPr>
-              <a:t> = 0</a:t>
+              <a:t>currentStatePointer = 0</a:t>
             </a:r>
           </a:p>
         </p:txBody>

--- a/docs/diagrams/UndoRedoStartingStateListDiagram.pptx
+++ b/docs/diagrams/UndoRedoStartingStateListDiagram.pptx
@@ -112,10 +112,6 @@
 </p:presentation>
 </file>
 
-<file path=ppt/revisionInfo.xml><?xml version="1.0" encoding="utf-8"?>
-<p1510:revInfo xmlns:a="http://schemas.openxmlformats.org/drawingml/2006/main" xmlns:r="http://schemas.openxmlformats.org/officeDocument/2006/relationships" xmlns:p1510="http://schemas.microsoft.com/office/powerpoint/2015/10/main"/>
-</file>
-
 <file path=ppt/slideLayouts/slideLayout1.xml><?xml version="1.0" encoding="utf-8"?>
 <p:sldLayout xmlns:a="http://schemas.openxmlformats.org/drawingml/2006/main" xmlns:r="http://schemas.openxmlformats.org/officeDocument/2006/relationships" xmlns:p="http://schemas.openxmlformats.org/presentationml/2006/main" type="title" preserve="1">
   <p:cSld name="Title Slide">
@@ -245,7 +241,7 @@
           <a:p>
             <a:fld id="{8B2F8DF3-7CFE-4C7E-A62E-FD00A81FB0CD}" type="datetimeFigureOut">
               <a:rPr lang="en-US" smtClean="0"/>
-              <a:t>7/6/2018</a:t>
+              <a:t>22-Mar-19</a:t>
             </a:fld>
             <a:endParaRPr lang="en-US"/>
           </a:p>
@@ -413,7 +409,7 @@
           <a:p>
             <a:fld id="{8B2F8DF3-7CFE-4C7E-A62E-FD00A81FB0CD}" type="datetimeFigureOut">
               <a:rPr lang="en-US" smtClean="0"/>
-              <a:t>7/6/2018</a:t>
+              <a:t>22-Mar-19</a:t>
             </a:fld>
             <a:endParaRPr lang="en-US"/>
           </a:p>
@@ -591,7 +587,7 @@
           <a:p>
             <a:fld id="{8B2F8DF3-7CFE-4C7E-A62E-FD00A81FB0CD}" type="datetimeFigureOut">
               <a:rPr lang="en-US" smtClean="0"/>
-              <a:t>7/6/2018</a:t>
+              <a:t>22-Mar-19</a:t>
             </a:fld>
             <a:endParaRPr lang="en-US"/>
           </a:p>
@@ -759,7 +755,7 @@
           <a:p>
             <a:fld id="{8B2F8DF3-7CFE-4C7E-A62E-FD00A81FB0CD}" type="datetimeFigureOut">
               <a:rPr lang="en-US" smtClean="0"/>
-              <a:t>7/6/2018</a:t>
+              <a:t>22-Mar-19</a:t>
             </a:fld>
             <a:endParaRPr lang="en-US"/>
           </a:p>
@@ -1004,7 +1000,7 @@
           <a:p>
             <a:fld id="{8B2F8DF3-7CFE-4C7E-A62E-FD00A81FB0CD}" type="datetimeFigureOut">
               <a:rPr lang="en-US" smtClean="0"/>
-              <a:t>7/6/2018</a:t>
+              <a:t>22-Mar-19</a:t>
             </a:fld>
             <a:endParaRPr lang="en-US"/>
           </a:p>
@@ -1233,7 +1229,7 @@
           <a:p>
             <a:fld id="{8B2F8DF3-7CFE-4C7E-A62E-FD00A81FB0CD}" type="datetimeFigureOut">
               <a:rPr lang="en-US" smtClean="0"/>
-              <a:t>7/6/2018</a:t>
+              <a:t>22-Mar-19</a:t>
             </a:fld>
             <a:endParaRPr lang="en-US"/>
           </a:p>
@@ -1597,7 +1593,7 @@
           <a:p>
             <a:fld id="{8B2F8DF3-7CFE-4C7E-A62E-FD00A81FB0CD}" type="datetimeFigureOut">
               <a:rPr lang="en-US" smtClean="0"/>
-              <a:t>7/6/2018</a:t>
+              <a:t>22-Mar-19</a:t>
             </a:fld>
             <a:endParaRPr lang="en-US"/>
           </a:p>
@@ -1714,7 +1710,7 @@
           <a:p>
             <a:fld id="{8B2F8DF3-7CFE-4C7E-A62E-FD00A81FB0CD}" type="datetimeFigureOut">
               <a:rPr lang="en-US" smtClean="0"/>
-              <a:t>7/6/2018</a:t>
+              <a:t>22-Mar-19</a:t>
             </a:fld>
             <a:endParaRPr lang="en-US"/>
           </a:p>
@@ -1809,7 +1805,7 @@
           <a:p>
             <a:fld id="{8B2F8DF3-7CFE-4C7E-A62E-FD00A81FB0CD}" type="datetimeFigureOut">
               <a:rPr lang="en-US" smtClean="0"/>
-              <a:t>7/6/2018</a:t>
+              <a:t>22-Mar-19</a:t>
             </a:fld>
             <a:endParaRPr lang="en-US"/>
           </a:p>
@@ -2084,7 +2080,7 @@
           <a:p>
             <a:fld id="{8B2F8DF3-7CFE-4C7E-A62E-FD00A81FB0CD}" type="datetimeFigureOut">
               <a:rPr lang="en-US" smtClean="0"/>
-              <a:t>7/6/2018</a:t>
+              <a:t>22-Mar-19</a:t>
             </a:fld>
             <a:endParaRPr lang="en-US"/>
           </a:p>
@@ -2336,7 +2332,7 @@
           <a:p>
             <a:fld id="{8B2F8DF3-7CFE-4C7E-A62E-FD00A81FB0CD}" type="datetimeFigureOut">
               <a:rPr lang="en-US" smtClean="0"/>
-              <a:t>7/6/2018</a:t>
+              <a:t>22-Mar-19</a:t>
             </a:fld>
             <a:endParaRPr lang="en-US"/>
           </a:p>
@@ -2547,7 +2543,7 @@
           <a:p>
             <a:fld id="{8B2F8DF3-7CFE-4C7E-A62E-FD00A81FB0CD}" type="datetimeFigureOut">
               <a:rPr lang="en-US" smtClean="0"/>
-              <a:t>7/6/2018</a:t>
+              <a:t>22-Mar-19</a:t>
             </a:fld>
             <a:endParaRPr lang="en-US"/>
           </a:p>
@@ -3011,7 +3007,7 @@
           <p:nvPr>
             <p:extLst>
               <p:ext uri="{D42A27DB-BD31-4B8C-83A1-F6EECF244321}">
-                <p14:modId xmlns:p14="http://schemas.microsoft.com/office/powerpoint/2010/main" val="1292556626"/>
+                <p14:modId xmlns:p14="http://schemas.microsoft.com/office/powerpoint/2010/main" val="3128090440"/>
               </p:ext>
             </p:extLst>
           </p:nvPr>
@@ -3042,12 +3038,12 @@
                     <a:lstStyle/>
                     <a:p>
                       <a:r>
-                        <a:rPr lang="en-SG" u="sng" dirty="0"/>
-                        <a:t>ab0:</a:t>
+                        <a:rPr lang="en-SG" u="sng"/>
+                        <a:t>tb0:</a:t>
                       </a:r>
                       <a:r>
-                        <a:rPr lang="en-SG" sz="1800" u="sng" dirty="0"/>
-                        <a:t>AddressBook</a:t>
+                        <a:rPr lang="en-SG" sz="1800" u="sng"/>
+                        <a:t>TravelBuddy</a:t>
                       </a:r>
                       <a:endParaRPr lang="en-SG" sz="1600" u="sng" dirty="0"/>
                     </a:p>

--- a/docs/diagrams/UndoRedoStartingStateListDiagram.pptx
+++ b/docs/diagrams/UndoRedoStartingStateListDiagram.pptx
@@ -112,10 +112,6 @@
 </p:presentation>
 </file>
 
-<file path=ppt/revisionInfo.xml><?xml version="1.0" encoding="utf-8"?>
-<p1510:revInfo xmlns:a="http://schemas.openxmlformats.org/drawingml/2006/main" xmlns:r="http://schemas.openxmlformats.org/officeDocument/2006/relationships" xmlns:p1510="http://schemas.microsoft.com/office/powerpoint/2015/10/main"/>
-</file>
-
 <file path=ppt/slideLayouts/slideLayout1.xml><?xml version="1.0" encoding="utf-8"?>
 <p:sldLayout xmlns:a="http://schemas.openxmlformats.org/drawingml/2006/main" xmlns:r="http://schemas.openxmlformats.org/officeDocument/2006/relationships" xmlns:p="http://schemas.openxmlformats.org/presentationml/2006/main" type="title" preserve="1">
   <p:cSld name="Title Slide">
@@ -245,7 +241,7 @@
           <a:p>
             <a:fld id="{8B2F8DF3-7CFE-4C7E-A62E-FD00A81FB0CD}" type="datetimeFigureOut">
               <a:rPr lang="en-US" smtClean="0"/>
-              <a:t>7/6/2018</a:t>
+              <a:t>3/30/2019</a:t>
             </a:fld>
             <a:endParaRPr lang="en-US"/>
           </a:p>
@@ -413,7 +409,7 @@
           <a:p>
             <a:fld id="{8B2F8DF3-7CFE-4C7E-A62E-FD00A81FB0CD}" type="datetimeFigureOut">
               <a:rPr lang="en-US" smtClean="0"/>
-              <a:t>7/6/2018</a:t>
+              <a:t>3/30/2019</a:t>
             </a:fld>
             <a:endParaRPr lang="en-US"/>
           </a:p>
@@ -591,7 +587,7 @@
           <a:p>
             <a:fld id="{8B2F8DF3-7CFE-4C7E-A62E-FD00A81FB0CD}" type="datetimeFigureOut">
               <a:rPr lang="en-US" smtClean="0"/>
-              <a:t>7/6/2018</a:t>
+              <a:t>3/30/2019</a:t>
             </a:fld>
             <a:endParaRPr lang="en-US"/>
           </a:p>
@@ -759,7 +755,7 @@
           <a:p>
             <a:fld id="{8B2F8DF3-7CFE-4C7E-A62E-FD00A81FB0CD}" type="datetimeFigureOut">
               <a:rPr lang="en-US" smtClean="0"/>
-              <a:t>7/6/2018</a:t>
+              <a:t>3/30/2019</a:t>
             </a:fld>
             <a:endParaRPr lang="en-US"/>
           </a:p>
@@ -1004,7 +1000,7 @@
           <a:p>
             <a:fld id="{8B2F8DF3-7CFE-4C7E-A62E-FD00A81FB0CD}" type="datetimeFigureOut">
               <a:rPr lang="en-US" smtClean="0"/>
-              <a:t>7/6/2018</a:t>
+              <a:t>3/30/2019</a:t>
             </a:fld>
             <a:endParaRPr lang="en-US"/>
           </a:p>
@@ -1233,7 +1229,7 @@
           <a:p>
             <a:fld id="{8B2F8DF3-7CFE-4C7E-A62E-FD00A81FB0CD}" type="datetimeFigureOut">
               <a:rPr lang="en-US" smtClean="0"/>
-              <a:t>7/6/2018</a:t>
+              <a:t>3/30/2019</a:t>
             </a:fld>
             <a:endParaRPr lang="en-US"/>
           </a:p>
@@ -1597,7 +1593,7 @@
           <a:p>
             <a:fld id="{8B2F8DF3-7CFE-4C7E-A62E-FD00A81FB0CD}" type="datetimeFigureOut">
               <a:rPr lang="en-US" smtClean="0"/>
-              <a:t>7/6/2018</a:t>
+              <a:t>3/30/2019</a:t>
             </a:fld>
             <a:endParaRPr lang="en-US"/>
           </a:p>
@@ -1714,7 +1710,7 @@
           <a:p>
             <a:fld id="{8B2F8DF3-7CFE-4C7E-A62E-FD00A81FB0CD}" type="datetimeFigureOut">
               <a:rPr lang="en-US" smtClean="0"/>
-              <a:t>7/6/2018</a:t>
+              <a:t>3/30/2019</a:t>
             </a:fld>
             <a:endParaRPr lang="en-US"/>
           </a:p>
@@ -1809,7 +1805,7 @@
           <a:p>
             <a:fld id="{8B2F8DF3-7CFE-4C7E-A62E-FD00A81FB0CD}" type="datetimeFigureOut">
               <a:rPr lang="en-US" smtClean="0"/>
-              <a:t>7/6/2018</a:t>
+              <a:t>3/30/2019</a:t>
             </a:fld>
             <a:endParaRPr lang="en-US"/>
           </a:p>
@@ -2084,7 +2080,7 @@
           <a:p>
             <a:fld id="{8B2F8DF3-7CFE-4C7E-A62E-FD00A81FB0CD}" type="datetimeFigureOut">
               <a:rPr lang="en-US" smtClean="0"/>
-              <a:t>7/6/2018</a:t>
+              <a:t>3/30/2019</a:t>
             </a:fld>
             <a:endParaRPr lang="en-US"/>
           </a:p>
@@ -2336,7 +2332,7 @@
           <a:p>
             <a:fld id="{8B2F8DF3-7CFE-4C7E-A62E-FD00A81FB0CD}" type="datetimeFigureOut">
               <a:rPr lang="en-US" smtClean="0"/>
-              <a:t>7/6/2018</a:t>
+              <a:t>3/30/2019</a:t>
             </a:fld>
             <a:endParaRPr lang="en-US"/>
           </a:p>
@@ -2547,7 +2543,7 @@
           <a:p>
             <a:fld id="{8B2F8DF3-7CFE-4C7E-A62E-FD00A81FB0CD}" type="datetimeFigureOut">
               <a:rPr lang="en-US" smtClean="0"/>
-              <a:t>7/6/2018</a:t>
+              <a:t>3/30/2019</a:t>
             </a:fld>
             <a:endParaRPr lang="en-US"/>
           </a:p>
@@ -2982,88 +2978,14 @@
           <a:p>
             <a:pPr algn="ctr"/>
             <a:r>
-              <a:rPr lang="en-SG" dirty="0" err="1">
-                <a:latin typeface="Consolas" panose="020B0609020204030204" pitchFamily="49" charset="0"/>
-              </a:rPr>
-              <a:t>currentStatePointer</a:t>
-            </a:r>
-            <a:r>
               <a:rPr lang="en-SG" dirty="0">
                 <a:latin typeface="Consolas" panose="020B0609020204030204" pitchFamily="49" charset="0"/>
               </a:rPr>
-              <a:t> = 0</a:t>
-            </a:r>
-          </a:p>
-        </p:txBody>
-      </p:sp>
-      <p:graphicFrame>
-        <p:nvGraphicFramePr>
-          <p:cNvPr id="5" name="Table 4">
-            <a:extLst>
-              <a:ext uri="{FF2B5EF4-FFF2-40B4-BE49-F238E27FC236}">
-                <a16:creationId xmlns:a16="http://schemas.microsoft.com/office/drawing/2014/main" id="{F545FAB8-F1CE-4886-9BDE-E772BCB0A9C4}"/>
-              </a:ext>
-            </a:extLst>
-          </p:cNvPr>
-          <p:cNvGraphicFramePr>
-            <a:graphicFrameLocks noGrp="1"/>
-          </p:cNvGraphicFramePr>
-          <p:nvPr>
-            <p:extLst>
-              <p:ext uri="{D42A27DB-BD31-4B8C-83A1-F6EECF244321}">
-                <p14:modId xmlns:p14="http://schemas.microsoft.com/office/powerpoint/2010/main" val="1292556626"/>
-              </p:ext>
-            </p:extLst>
-          </p:nvPr>
-        </p:nvGraphicFramePr>
-        <p:xfrm>
-          <a:off x="637997" y="2769442"/>
-          <a:ext cx="1833356" cy="410363"/>
-        </p:xfrm>
-        <a:graphic>
-          <a:graphicData uri="http://schemas.openxmlformats.org/drawingml/2006/table">
-            <a:tbl>
-              <a:tblPr>
-                <a:tableStyleId>{638B1855-1B75-4FBE-930C-398BA8C253C6}</a:tableStyleId>
-              </a:tblPr>
-              <a:tblGrid>
-                <a:gridCol w="1833356">
-                  <a:extLst>
-                    <a:ext uri="{9D8B030D-6E8A-4147-A177-3AD203B41FA5}">
-                      <a16:colId xmlns:a16="http://schemas.microsoft.com/office/drawing/2014/main" val="4240773277"/>
-                    </a:ext>
-                  </a:extLst>
-                </a:gridCol>
-              </a:tblGrid>
-              <a:tr h="410363">
-                <a:tc>
-                  <a:txBody>
-                    <a:bodyPr/>
-                    <a:lstStyle/>
-                    <a:p>
-                      <a:r>
-                        <a:rPr lang="en-SG" u="sng" dirty="0"/>
-                        <a:t>ab0:</a:t>
-                      </a:r>
-                      <a:r>
-                        <a:rPr lang="en-SG" sz="1800" u="sng" dirty="0"/>
-                        <a:t>AddressBook</a:t>
-                      </a:r>
-                      <a:endParaRPr lang="en-SG" sz="1600" u="sng" dirty="0"/>
-                    </a:p>
-                  </a:txBody>
-                  <a:tcPr/>
-                </a:tc>
-                <a:extLst>
-                  <a:ext uri="{0D108BD9-81ED-4DB2-BD59-A6C34878D82A}">
-                    <a16:rowId xmlns:a16="http://schemas.microsoft.com/office/drawing/2014/main" val="2194462629"/>
-                  </a:ext>
-                </a:extLst>
-              </a:tr>
-            </a:tbl>
-          </a:graphicData>
-        </a:graphic>
-      </p:graphicFrame>
+              <a:t>Index = 0</a:t>
+            </a:r>
+          </a:p>
+        </p:txBody>
+      </p:sp>
       <p:sp>
         <p:nvSpPr>
           <p:cNvPr id="7" name="Rectangle 6"/>
@@ -3154,6 +3076,41 @@
           </a:fontRef>
         </p:style>
       </p:cxnSp>
+      <p:sp>
+        <p:nvSpPr>
+          <p:cNvPr id="8" name="TextBox 7">
+            <a:extLst>
+              <a:ext uri="{FF2B5EF4-FFF2-40B4-BE49-F238E27FC236}">
+                <a16:creationId xmlns:a16="http://schemas.microsoft.com/office/drawing/2014/main" id="{0832E43B-63D8-4C47-A8B0-C0BFF5221BF0}"/>
+              </a:ext>
+            </a:extLst>
+          </p:cNvPr>
+          <p:cNvSpPr txBox="1"/>
+          <p:nvPr/>
+        </p:nvSpPr>
+        <p:spPr>
+          <a:xfrm>
+            <a:off x="825623" y="2793209"/>
+            <a:ext cx="1150892" cy="369332"/>
+          </a:xfrm>
+          <a:prstGeom prst="rect">
+            <a:avLst/>
+          </a:prstGeom>
+          <a:noFill/>
+        </p:spPr>
+        <p:txBody>
+          <a:bodyPr wrap="none" rtlCol="0">
+            <a:spAutoFit/>
+          </a:bodyPr>
+          <a:lstStyle/>
+          <a:p>
+            <a:r>
+              <a:rPr lang="en-SG" dirty="0"/>
+              <a:t>Empty List</a:t>
+            </a:r>
+          </a:p>
+        </p:txBody>
+      </p:sp>
     </p:spTree>
     <p:extLst>
       <p:ext uri="{BB962C8B-B14F-4D97-AF65-F5344CB8AC3E}">

--- a/docs/diagrams/UndoRedoStartingStateListDiagram.pptx
+++ b/docs/diagrams/UndoRedoStartingStateListDiagram.pptx
@@ -106,7 +106,7 @@
   </p:defaultTextStyle>
   <p:extLst>
     <p:ext uri="{EFAFB233-063F-42B5-8137-9DF3F51BA10A}">
-      <p15:sldGuideLst xmlns:p15="http://schemas.microsoft.com/office/powerpoint/2012/main"/>
+      <p15:sldGuideLst xmlns:p15="http://schemas.microsoft.com/office/powerpoint/2012/main" xmlns=""/>
     </p:ext>
   </p:extLst>
 </p:presentation>
@@ -245,7 +245,8 @@
           <a:p>
             <a:fld id="{8B2F8DF3-7CFE-4C7E-A62E-FD00A81FB0CD}" type="datetimeFigureOut">
               <a:rPr lang="en-US" smtClean="0"/>
-              <a:t>7/6/2018</a:t>
+              <a:pPr/>
+              <a:t>3/31/2019</a:t>
             </a:fld>
             <a:endParaRPr lang="en-US"/>
           </a:p>
@@ -287,6 +288,7 @@
           <a:p>
             <a:fld id="{4F0D787A-F430-48DF-94CC-863D09AEAED8}" type="slidenum">
               <a:rPr lang="en-US" smtClean="0"/>
+              <a:pPr/>
               <a:t>‹#›</a:t>
             </a:fld>
             <a:endParaRPr lang="en-US"/>
@@ -296,7 +298,7 @@
     </p:spTree>
     <p:extLst>
       <p:ext uri="{BB962C8B-B14F-4D97-AF65-F5344CB8AC3E}">
-        <p14:creationId xmlns:p14="http://schemas.microsoft.com/office/powerpoint/2010/main" val="4162717748"/>
+        <p14:creationId xmlns:p14="http://schemas.microsoft.com/office/powerpoint/2010/main" xmlns="" val="4162717748"/>
       </p:ext>
     </p:extLst>
   </p:cSld>
@@ -413,7 +415,8 @@
           <a:p>
             <a:fld id="{8B2F8DF3-7CFE-4C7E-A62E-FD00A81FB0CD}" type="datetimeFigureOut">
               <a:rPr lang="en-US" smtClean="0"/>
-              <a:t>7/6/2018</a:t>
+              <a:pPr/>
+              <a:t>3/31/2019</a:t>
             </a:fld>
             <a:endParaRPr lang="en-US"/>
           </a:p>
@@ -455,6 +458,7 @@
           <a:p>
             <a:fld id="{4F0D787A-F430-48DF-94CC-863D09AEAED8}" type="slidenum">
               <a:rPr lang="en-US" smtClean="0"/>
+              <a:pPr/>
               <a:t>‹#›</a:t>
             </a:fld>
             <a:endParaRPr lang="en-US"/>
@@ -464,7 +468,7 @@
     </p:spTree>
     <p:extLst>
       <p:ext uri="{BB962C8B-B14F-4D97-AF65-F5344CB8AC3E}">
-        <p14:creationId xmlns:p14="http://schemas.microsoft.com/office/powerpoint/2010/main" val="2686911716"/>
+        <p14:creationId xmlns:p14="http://schemas.microsoft.com/office/powerpoint/2010/main" xmlns="" val="2686911716"/>
       </p:ext>
     </p:extLst>
   </p:cSld>
@@ -591,7 +595,8 @@
           <a:p>
             <a:fld id="{8B2F8DF3-7CFE-4C7E-A62E-FD00A81FB0CD}" type="datetimeFigureOut">
               <a:rPr lang="en-US" smtClean="0"/>
-              <a:t>7/6/2018</a:t>
+              <a:pPr/>
+              <a:t>3/31/2019</a:t>
             </a:fld>
             <a:endParaRPr lang="en-US"/>
           </a:p>
@@ -633,6 +638,7 @@
           <a:p>
             <a:fld id="{4F0D787A-F430-48DF-94CC-863D09AEAED8}" type="slidenum">
               <a:rPr lang="en-US" smtClean="0"/>
+              <a:pPr/>
               <a:t>‹#›</a:t>
             </a:fld>
             <a:endParaRPr lang="en-US"/>
@@ -642,7 +648,7 @@
     </p:spTree>
     <p:extLst>
       <p:ext uri="{BB962C8B-B14F-4D97-AF65-F5344CB8AC3E}">
-        <p14:creationId xmlns:p14="http://schemas.microsoft.com/office/powerpoint/2010/main" val="3434359180"/>
+        <p14:creationId xmlns:p14="http://schemas.microsoft.com/office/powerpoint/2010/main" xmlns="" val="3434359180"/>
       </p:ext>
     </p:extLst>
   </p:cSld>
@@ -759,7 +765,8 @@
           <a:p>
             <a:fld id="{8B2F8DF3-7CFE-4C7E-A62E-FD00A81FB0CD}" type="datetimeFigureOut">
               <a:rPr lang="en-US" smtClean="0"/>
-              <a:t>7/6/2018</a:t>
+              <a:pPr/>
+              <a:t>3/31/2019</a:t>
             </a:fld>
             <a:endParaRPr lang="en-US"/>
           </a:p>
@@ -801,6 +808,7 @@
           <a:p>
             <a:fld id="{4F0D787A-F430-48DF-94CC-863D09AEAED8}" type="slidenum">
               <a:rPr lang="en-US" smtClean="0"/>
+              <a:pPr/>
               <a:t>‹#›</a:t>
             </a:fld>
             <a:endParaRPr lang="en-US"/>
@@ -810,7 +818,7 @@
     </p:spTree>
     <p:extLst>
       <p:ext uri="{BB962C8B-B14F-4D97-AF65-F5344CB8AC3E}">
-        <p14:creationId xmlns:p14="http://schemas.microsoft.com/office/powerpoint/2010/main" val="3947274495"/>
+        <p14:creationId xmlns:p14="http://schemas.microsoft.com/office/powerpoint/2010/main" xmlns="" val="3947274495"/>
       </p:ext>
     </p:extLst>
   </p:cSld>
@@ -1004,7 +1012,8 @@
           <a:p>
             <a:fld id="{8B2F8DF3-7CFE-4C7E-A62E-FD00A81FB0CD}" type="datetimeFigureOut">
               <a:rPr lang="en-US" smtClean="0"/>
-              <a:t>7/6/2018</a:t>
+              <a:pPr/>
+              <a:t>3/31/2019</a:t>
             </a:fld>
             <a:endParaRPr lang="en-US"/>
           </a:p>
@@ -1046,6 +1055,7 @@
           <a:p>
             <a:fld id="{4F0D787A-F430-48DF-94CC-863D09AEAED8}" type="slidenum">
               <a:rPr lang="en-US" smtClean="0"/>
+              <a:pPr/>
               <a:t>‹#›</a:t>
             </a:fld>
             <a:endParaRPr lang="en-US"/>
@@ -1055,7 +1065,7 @@
     </p:spTree>
     <p:extLst>
       <p:ext uri="{BB962C8B-B14F-4D97-AF65-F5344CB8AC3E}">
-        <p14:creationId xmlns:p14="http://schemas.microsoft.com/office/powerpoint/2010/main" val="3396931209"/>
+        <p14:creationId xmlns:p14="http://schemas.microsoft.com/office/powerpoint/2010/main" xmlns="" val="3396931209"/>
       </p:ext>
     </p:extLst>
   </p:cSld>
@@ -1233,7 +1243,8 @@
           <a:p>
             <a:fld id="{8B2F8DF3-7CFE-4C7E-A62E-FD00A81FB0CD}" type="datetimeFigureOut">
               <a:rPr lang="en-US" smtClean="0"/>
-              <a:t>7/6/2018</a:t>
+              <a:pPr/>
+              <a:t>3/31/2019</a:t>
             </a:fld>
             <a:endParaRPr lang="en-US"/>
           </a:p>
@@ -1275,6 +1286,7 @@
           <a:p>
             <a:fld id="{4F0D787A-F430-48DF-94CC-863D09AEAED8}" type="slidenum">
               <a:rPr lang="en-US" smtClean="0"/>
+              <a:pPr/>
               <a:t>‹#›</a:t>
             </a:fld>
             <a:endParaRPr lang="en-US"/>
@@ -1284,7 +1296,7 @@
     </p:spTree>
     <p:extLst>
       <p:ext uri="{BB962C8B-B14F-4D97-AF65-F5344CB8AC3E}">
-        <p14:creationId xmlns:p14="http://schemas.microsoft.com/office/powerpoint/2010/main" val="1081871611"/>
+        <p14:creationId xmlns:p14="http://schemas.microsoft.com/office/powerpoint/2010/main" xmlns="" val="1081871611"/>
       </p:ext>
     </p:extLst>
   </p:cSld>
@@ -1597,7 +1609,8 @@
           <a:p>
             <a:fld id="{8B2F8DF3-7CFE-4C7E-A62E-FD00A81FB0CD}" type="datetimeFigureOut">
               <a:rPr lang="en-US" smtClean="0"/>
-              <a:t>7/6/2018</a:t>
+              <a:pPr/>
+              <a:t>3/31/2019</a:t>
             </a:fld>
             <a:endParaRPr lang="en-US"/>
           </a:p>
@@ -1639,6 +1652,7 @@
           <a:p>
             <a:fld id="{4F0D787A-F430-48DF-94CC-863D09AEAED8}" type="slidenum">
               <a:rPr lang="en-US" smtClean="0"/>
+              <a:pPr/>
               <a:t>‹#›</a:t>
             </a:fld>
             <a:endParaRPr lang="en-US"/>
@@ -1648,7 +1662,7 @@
     </p:spTree>
     <p:extLst>
       <p:ext uri="{BB962C8B-B14F-4D97-AF65-F5344CB8AC3E}">
-        <p14:creationId xmlns:p14="http://schemas.microsoft.com/office/powerpoint/2010/main" val="37334253"/>
+        <p14:creationId xmlns:p14="http://schemas.microsoft.com/office/powerpoint/2010/main" xmlns="" val="37334253"/>
       </p:ext>
     </p:extLst>
   </p:cSld>
@@ -1714,7 +1728,8 @@
           <a:p>
             <a:fld id="{8B2F8DF3-7CFE-4C7E-A62E-FD00A81FB0CD}" type="datetimeFigureOut">
               <a:rPr lang="en-US" smtClean="0"/>
-              <a:t>7/6/2018</a:t>
+              <a:pPr/>
+              <a:t>3/31/2019</a:t>
             </a:fld>
             <a:endParaRPr lang="en-US"/>
           </a:p>
@@ -1756,6 +1771,7 @@
           <a:p>
             <a:fld id="{4F0D787A-F430-48DF-94CC-863D09AEAED8}" type="slidenum">
               <a:rPr lang="en-US" smtClean="0"/>
+              <a:pPr/>
               <a:t>‹#›</a:t>
             </a:fld>
             <a:endParaRPr lang="en-US"/>
@@ -1765,7 +1781,7 @@
     </p:spTree>
     <p:extLst>
       <p:ext uri="{BB962C8B-B14F-4D97-AF65-F5344CB8AC3E}">
-        <p14:creationId xmlns:p14="http://schemas.microsoft.com/office/powerpoint/2010/main" val="3414074619"/>
+        <p14:creationId xmlns:p14="http://schemas.microsoft.com/office/powerpoint/2010/main" xmlns="" val="3414074619"/>
       </p:ext>
     </p:extLst>
   </p:cSld>
@@ -1809,7 +1825,8 @@
           <a:p>
             <a:fld id="{8B2F8DF3-7CFE-4C7E-A62E-FD00A81FB0CD}" type="datetimeFigureOut">
               <a:rPr lang="en-US" smtClean="0"/>
-              <a:t>7/6/2018</a:t>
+              <a:pPr/>
+              <a:t>3/31/2019</a:t>
             </a:fld>
             <a:endParaRPr lang="en-US"/>
           </a:p>
@@ -1851,6 +1868,7 @@
           <a:p>
             <a:fld id="{4F0D787A-F430-48DF-94CC-863D09AEAED8}" type="slidenum">
               <a:rPr lang="en-US" smtClean="0"/>
+              <a:pPr/>
               <a:t>‹#›</a:t>
             </a:fld>
             <a:endParaRPr lang="en-US"/>
@@ -1860,7 +1878,7 @@
     </p:spTree>
     <p:extLst>
       <p:ext uri="{BB962C8B-B14F-4D97-AF65-F5344CB8AC3E}">
-        <p14:creationId xmlns:p14="http://schemas.microsoft.com/office/powerpoint/2010/main" val="4002954170"/>
+        <p14:creationId xmlns:p14="http://schemas.microsoft.com/office/powerpoint/2010/main" xmlns="" val="4002954170"/>
       </p:ext>
     </p:extLst>
   </p:cSld>
@@ -2084,7 +2102,8 @@
           <a:p>
             <a:fld id="{8B2F8DF3-7CFE-4C7E-A62E-FD00A81FB0CD}" type="datetimeFigureOut">
               <a:rPr lang="en-US" smtClean="0"/>
-              <a:t>7/6/2018</a:t>
+              <a:pPr/>
+              <a:t>3/31/2019</a:t>
             </a:fld>
             <a:endParaRPr lang="en-US"/>
           </a:p>
@@ -2126,6 +2145,7 @@
           <a:p>
             <a:fld id="{4F0D787A-F430-48DF-94CC-863D09AEAED8}" type="slidenum">
               <a:rPr lang="en-US" smtClean="0"/>
+              <a:pPr/>
               <a:t>‹#›</a:t>
             </a:fld>
             <a:endParaRPr lang="en-US"/>
@@ -2135,7 +2155,7 @@
     </p:spTree>
     <p:extLst>
       <p:ext uri="{BB962C8B-B14F-4D97-AF65-F5344CB8AC3E}">
-        <p14:creationId xmlns:p14="http://schemas.microsoft.com/office/powerpoint/2010/main" val="401796226"/>
+        <p14:creationId xmlns:p14="http://schemas.microsoft.com/office/powerpoint/2010/main" xmlns="" val="401796226"/>
       </p:ext>
     </p:extLst>
   </p:cSld>
@@ -2336,7 +2356,8 @@
           <a:p>
             <a:fld id="{8B2F8DF3-7CFE-4C7E-A62E-FD00A81FB0CD}" type="datetimeFigureOut">
               <a:rPr lang="en-US" smtClean="0"/>
-              <a:t>7/6/2018</a:t>
+              <a:pPr/>
+              <a:t>3/31/2019</a:t>
             </a:fld>
             <a:endParaRPr lang="en-US"/>
           </a:p>
@@ -2378,6 +2399,7 @@
           <a:p>
             <a:fld id="{4F0D787A-F430-48DF-94CC-863D09AEAED8}" type="slidenum">
               <a:rPr lang="en-US" smtClean="0"/>
+              <a:pPr/>
               <a:t>‹#›</a:t>
             </a:fld>
             <a:endParaRPr lang="en-US"/>
@@ -2387,7 +2409,7 @@
     </p:spTree>
     <p:extLst>
       <p:ext uri="{BB962C8B-B14F-4D97-AF65-F5344CB8AC3E}">
-        <p14:creationId xmlns:p14="http://schemas.microsoft.com/office/powerpoint/2010/main" val="1672239677"/>
+        <p14:creationId xmlns:p14="http://schemas.microsoft.com/office/powerpoint/2010/main" xmlns="" val="1672239677"/>
       </p:ext>
     </p:extLst>
   </p:cSld>
@@ -2547,7 +2569,8 @@
           <a:p>
             <a:fld id="{8B2F8DF3-7CFE-4C7E-A62E-FD00A81FB0CD}" type="datetimeFigureOut">
               <a:rPr lang="en-US" smtClean="0"/>
-              <a:t>7/6/2018</a:t>
+              <a:pPr/>
+              <a:t>3/31/2019</a:t>
             </a:fld>
             <a:endParaRPr lang="en-US"/>
           </a:p>
@@ -2625,6 +2648,7 @@
           <a:p>
             <a:fld id="{4F0D787A-F430-48DF-94CC-863D09AEAED8}" type="slidenum">
               <a:rPr lang="en-US" smtClean="0"/>
+              <a:pPr/>
               <a:t>‹#›</a:t>
             </a:fld>
             <a:endParaRPr lang="en-US"/>
@@ -2634,7 +2658,7 @@
     </p:spTree>
     <p:extLst>
       <p:ext uri="{BB962C8B-B14F-4D97-AF65-F5344CB8AC3E}">
-        <p14:creationId xmlns:p14="http://schemas.microsoft.com/office/powerpoint/2010/main" val="2479103479"/>
+        <p14:creationId xmlns:p14="http://schemas.microsoft.com/office/powerpoint/2010/main" xmlns="" val="2479103479"/>
       </p:ext>
     </p:extLst>
   </p:cSld>
@@ -2957,7 +2981,7 @@
           <p:cNvPr id="4" name="TextBox 3">
             <a:extLst>
               <a:ext uri="{FF2B5EF4-FFF2-40B4-BE49-F238E27FC236}">
-                <a16:creationId xmlns:a16="http://schemas.microsoft.com/office/drawing/2014/main" id="{3151A13B-9509-43FA-BFEB-1D9866A00B84}"/>
+                <a16:creationId xmlns:a16="http://schemas.microsoft.com/office/drawing/2014/main" xmlns="" id="{3151A13B-9509-43FA-BFEB-1D9866A00B84}"/>
               </a:ext>
             </a:extLst>
           </p:cNvPr>
@@ -3001,7 +3025,7 @@
           <p:cNvPr id="5" name="Table 4">
             <a:extLst>
               <a:ext uri="{FF2B5EF4-FFF2-40B4-BE49-F238E27FC236}">
-                <a16:creationId xmlns:a16="http://schemas.microsoft.com/office/drawing/2014/main" id="{F545FAB8-F1CE-4886-9BDE-E772BCB0A9C4}"/>
+                <a16:creationId xmlns:a16="http://schemas.microsoft.com/office/drawing/2014/main" xmlns="" id="{F545FAB8-F1CE-4886-9BDE-E772BCB0A9C4}"/>
               </a:ext>
             </a:extLst>
           </p:cNvPr>
@@ -3011,7 +3035,7 @@
           <p:nvPr>
             <p:extLst>
               <p:ext uri="{D42A27DB-BD31-4B8C-83A1-F6EECF244321}">
-                <p14:modId xmlns:p14="http://schemas.microsoft.com/office/powerpoint/2010/main" val="1292556626"/>
+                <p14:modId xmlns:p14="http://schemas.microsoft.com/office/powerpoint/2010/main" xmlns="" val="1292556626"/>
               </p:ext>
             </p:extLst>
           </p:nvPr>
@@ -3030,7 +3054,7 @@
                 <a:gridCol w="1833356">
                   <a:extLst>
                     <a:ext uri="{9D8B030D-6E8A-4147-A177-3AD203B41FA5}">
-                      <a16:colId xmlns:a16="http://schemas.microsoft.com/office/drawing/2014/main" val="4240773277"/>
+                      <a16:colId xmlns:a16="http://schemas.microsoft.com/office/drawing/2014/main" xmlns="" val="4240773277"/>
                     </a:ext>
                   </a:extLst>
                 </a:gridCol>
@@ -3042,12 +3066,12 @@
                     <a:lstStyle/>
                     <a:p>
                       <a:r>
-                        <a:rPr lang="en-SG" u="sng" dirty="0"/>
-                        <a:t>ab0:</a:t>
+                        <a:rPr lang="en-SG" u="sng" dirty="0" smtClean="0"/>
+                        <a:t>gt0:</a:t>
                       </a:r>
                       <a:r>
-                        <a:rPr lang="en-SG" sz="1800" u="sng" dirty="0"/>
-                        <a:t>AddressBook</a:t>
+                        <a:rPr lang="en-SG" sz="1800" u="sng" dirty="0" smtClean="0"/>
+                        <a:t>GradTrak</a:t>
                       </a:r>
                       <a:endParaRPr lang="en-SG" sz="1600" u="sng" dirty="0"/>
                     </a:p>
@@ -3056,7 +3080,7 @@
                 </a:tc>
                 <a:extLst>
                   <a:ext uri="{0D108BD9-81ED-4DB2-BD59-A6C34878D82A}">
-                    <a16:rowId xmlns:a16="http://schemas.microsoft.com/office/drawing/2014/main" val="2194462629"/>
+                    <a16:rowId xmlns:a16="http://schemas.microsoft.com/office/drawing/2014/main" xmlns="" val="2194462629"/>
                   </a:ext>
                 </a:extLst>
               </a:tr>
@@ -3115,7 +3139,7 @@
           <p:cNvPr id="3" name="Straight Arrow Connector 2">
             <a:extLst>
               <a:ext uri="{FF2B5EF4-FFF2-40B4-BE49-F238E27FC236}">
-                <a16:creationId xmlns:a16="http://schemas.microsoft.com/office/drawing/2014/main" id="{19F1196F-B136-4E44-A8A5-68CAEED3CD2E}"/>
+                <a16:creationId xmlns:a16="http://schemas.microsoft.com/office/drawing/2014/main" xmlns="" id="{19F1196F-B136-4E44-A8A5-68CAEED3CD2E}"/>
               </a:ext>
             </a:extLst>
           </p:cNvPr>
@@ -3157,7 +3181,7 @@
     </p:spTree>
     <p:extLst>
       <p:ext uri="{BB962C8B-B14F-4D97-AF65-F5344CB8AC3E}">
-        <p14:creationId xmlns:p14="http://schemas.microsoft.com/office/powerpoint/2010/main" val="394243577"/>
+        <p14:creationId xmlns:p14="http://schemas.microsoft.com/office/powerpoint/2010/main" xmlns="" val="394243577"/>
       </p:ext>
     </p:extLst>
   </p:cSld>
@@ -3210,7 +3234,7 @@
     </a:clrScheme>
     <a:fontScheme name="Office">
       <a:majorFont>
-        <a:latin typeface="Calibri Light" panose="020F0302020204030204"/>
+        <a:latin typeface="Calibri Light"/>
         <a:ea typeface=""/>
         <a:cs typeface=""/>
         <a:font script="Jpan" typeface="游ゴシック Light"/>
@@ -3245,7 +3269,7 @@
         <a:font script="Geor" typeface="Sylfaen"/>
       </a:majorFont>
       <a:minorFont>
-        <a:latin typeface="Calibri" panose="020F0502020204030204"/>
+        <a:latin typeface="Calibri"/>
         <a:ea typeface=""/>
         <a:cs typeface=""/>
         <a:font script="Jpan" typeface="游ゴシック"/>
@@ -3422,7 +3446,7 @@
   <a:extraClrSchemeLst/>
   <a:extLst>
     <a:ext uri="{05A4C25C-085E-4340-85A3-A5531E510DB2}">
-      <thm15:themeFamily xmlns:thm15="http://schemas.microsoft.com/office/thememl/2012/main" name="Office Theme" id="{62F939B6-93AF-4DB8-9C6B-D6C7DFDC589F}" vid="{4A3C46E8-61CC-4603-A589-7422A47A8E4A}"/>
+      <thm15:themeFamily xmlns:thm15="http://schemas.microsoft.com/office/thememl/2012/main" xmlns="" name="Office Theme" id="{62F939B6-93AF-4DB8-9C6B-D6C7DFDC589F}" vid="{4A3C46E8-61CC-4603-A589-7422A47A8E4A}"/>
     </a:ext>
   </a:extLst>
 </a:theme>

--- a/docs/diagrams/UndoRedoStartingStateListDiagram.pptx
+++ b/docs/diagrams/UndoRedoStartingStateListDiagram.pptx
@@ -106,7 +106,7 @@
   </p:defaultTextStyle>
   <p:extLst>
     <p:ext uri="{EFAFB233-063F-42B5-8137-9DF3F51BA10A}">
-      <p15:sldGuideLst xmlns:p15="http://schemas.microsoft.com/office/powerpoint/2012/main"/>
+      <p15:sldGuideLst xmlns="" xmlns:p15="http://schemas.microsoft.com/office/powerpoint/2012/main"/>
     </p:ext>
   </p:extLst>
 </p:presentation>
@@ -245,7 +245,7 @@
           <a:p>
             <a:fld id="{8B2F8DF3-7CFE-4C7E-A62E-FD00A81FB0CD}" type="datetimeFigureOut">
               <a:rPr lang="en-US" smtClean="0"/>
-              <a:t>7/6/2018</a:t>
+              <a:t>4/1/2019</a:t>
             </a:fld>
             <a:endParaRPr lang="en-US"/>
           </a:p>
@@ -413,7 +413,7 @@
           <a:p>
             <a:fld id="{8B2F8DF3-7CFE-4C7E-A62E-FD00A81FB0CD}" type="datetimeFigureOut">
               <a:rPr lang="en-US" smtClean="0"/>
-              <a:t>7/6/2018</a:t>
+              <a:t>4/1/2019</a:t>
             </a:fld>
             <a:endParaRPr lang="en-US"/>
           </a:p>
@@ -591,7 +591,7 @@
           <a:p>
             <a:fld id="{8B2F8DF3-7CFE-4C7E-A62E-FD00A81FB0CD}" type="datetimeFigureOut">
               <a:rPr lang="en-US" smtClean="0"/>
-              <a:t>7/6/2018</a:t>
+              <a:t>4/1/2019</a:t>
             </a:fld>
             <a:endParaRPr lang="en-US"/>
           </a:p>
@@ -759,7 +759,7 @@
           <a:p>
             <a:fld id="{8B2F8DF3-7CFE-4C7E-A62E-FD00A81FB0CD}" type="datetimeFigureOut">
               <a:rPr lang="en-US" smtClean="0"/>
-              <a:t>7/6/2018</a:t>
+              <a:t>4/1/2019</a:t>
             </a:fld>
             <a:endParaRPr lang="en-US"/>
           </a:p>
@@ -1004,7 +1004,7 @@
           <a:p>
             <a:fld id="{8B2F8DF3-7CFE-4C7E-A62E-FD00A81FB0CD}" type="datetimeFigureOut">
               <a:rPr lang="en-US" smtClean="0"/>
-              <a:t>7/6/2018</a:t>
+              <a:t>4/1/2019</a:t>
             </a:fld>
             <a:endParaRPr lang="en-US"/>
           </a:p>
@@ -1233,7 +1233,7 @@
           <a:p>
             <a:fld id="{8B2F8DF3-7CFE-4C7E-A62E-FD00A81FB0CD}" type="datetimeFigureOut">
               <a:rPr lang="en-US" smtClean="0"/>
-              <a:t>7/6/2018</a:t>
+              <a:t>4/1/2019</a:t>
             </a:fld>
             <a:endParaRPr lang="en-US"/>
           </a:p>
@@ -1597,7 +1597,7 @@
           <a:p>
             <a:fld id="{8B2F8DF3-7CFE-4C7E-A62E-FD00A81FB0CD}" type="datetimeFigureOut">
               <a:rPr lang="en-US" smtClean="0"/>
-              <a:t>7/6/2018</a:t>
+              <a:t>4/1/2019</a:t>
             </a:fld>
             <a:endParaRPr lang="en-US"/>
           </a:p>
@@ -1714,7 +1714,7 @@
           <a:p>
             <a:fld id="{8B2F8DF3-7CFE-4C7E-A62E-FD00A81FB0CD}" type="datetimeFigureOut">
               <a:rPr lang="en-US" smtClean="0"/>
-              <a:t>7/6/2018</a:t>
+              <a:t>4/1/2019</a:t>
             </a:fld>
             <a:endParaRPr lang="en-US"/>
           </a:p>
@@ -1809,7 +1809,7 @@
           <a:p>
             <a:fld id="{8B2F8DF3-7CFE-4C7E-A62E-FD00A81FB0CD}" type="datetimeFigureOut">
               <a:rPr lang="en-US" smtClean="0"/>
-              <a:t>7/6/2018</a:t>
+              <a:t>4/1/2019</a:t>
             </a:fld>
             <a:endParaRPr lang="en-US"/>
           </a:p>
@@ -2084,7 +2084,7 @@
           <a:p>
             <a:fld id="{8B2F8DF3-7CFE-4C7E-A62E-FD00A81FB0CD}" type="datetimeFigureOut">
               <a:rPr lang="en-US" smtClean="0"/>
-              <a:t>7/6/2018</a:t>
+              <a:t>4/1/2019</a:t>
             </a:fld>
             <a:endParaRPr lang="en-US"/>
           </a:p>
@@ -2336,7 +2336,7 @@
           <a:p>
             <a:fld id="{8B2F8DF3-7CFE-4C7E-A62E-FD00A81FB0CD}" type="datetimeFigureOut">
               <a:rPr lang="en-US" smtClean="0"/>
-              <a:t>7/6/2018</a:t>
+              <a:t>4/1/2019</a:t>
             </a:fld>
             <a:endParaRPr lang="en-US"/>
           </a:p>
@@ -2547,7 +2547,7 @@
           <a:p>
             <a:fld id="{8B2F8DF3-7CFE-4C7E-A62E-FD00A81FB0CD}" type="datetimeFigureOut">
               <a:rPr lang="en-US" smtClean="0"/>
-              <a:t>7/6/2018</a:t>
+              <a:t>4/1/2019</a:t>
             </a:fld>
             <a:endParaRPr lang="en-US"/>
           </a:p>
@@ -2957,7 +2957,7 @@
           <p:cNvPr id="4" name="TextBox 3">
             <a:extLst>
               <a:ext uri="{FF2B5EF4-FFF2-40B4-BE49-F238E27FC236}">
-                <a16:creationId xmlns:a16="http://schemas.microsoft.com/office/drawing/2014/main" id="{3151A13B-9509-43FA-BFEB-1D9866A00B84}"/>
+                <a16:creationId xmlns="" xmlns:a16="http://schemas.microsoft.com/office/drawing/2014/main" id="{3151A13B-9509-43FA-BFEB-1D9866A00B84}"/>
               </a:ext>
             </a:extLst>
           </p:cNvPr>
@@ -3001,7 +3001,7 @@
           <p:cNvPr id="5" name="Table 4">
             <a:extLst>
               <a:ext uri="{FF2B5EF4-FFF2-40B4-BE49-F238E27FC236}">
-                <a16:creationId xmlns:a16="http://schemas.microsoft.com/office/drawing/2014/main" id="{F545FAB8-F1CE-4886-9BDE-E772BCB0A9C4}"/>
+                <a16:creationId xmlns="" xmlns:a16="http://schemas.microsoft.com/office/drawing/2014/main" id="{F545FAB8-F1CE-4886-9BDE-E772BCB0A9C4}"/>
               </a:ext>
             </a:extLst>
           </p:cNvPr>
@@ -3011,14 +3011,14 @@
           <p:nvPr>
             <p:extLst>
               <p:ext uri="{D42A27DB-BD31-4B8C-83A1-F6EECF244321}">
-                <p14:modId xmlns:p14="http://schemas.microsoft.com/office/powerpoint/2010/main" val="1292556626"/>
+                <p14:modId xmlns:p14="http://schemas.microsoft.com/office/powerpoint/2010/main" val="287224669"/>
               </p:ext>
             </p:extLst>
           </p:nvPr>
         </p:nvGraphicFramePr>
         <p:xfrm>
           <a:off x="637997" y="2769442"/>
-          <a:ext cx="1833356" cy="410363"/>
+          <a:ext cx="1353765" cy="410363"/>
         </p:xfrm>
         <a:graphic>
           <a:graphicData uri="http://schemas.openxmlformats.org/drawingml/2006/table">
@@ -3027,10 +3027,10 @@
                 <a:tableStyleId>{638B1855-1B75-4FBE-930C-398BA8C253C6}</a:tableStyleId>
               </a:tblPr>
               <a:tblGrid>
-                <a:gridCol w="1833356">
+                <a:gridCol w="1353765">
                   <a:extLst>
                     <a:ext uri="{9D8B030D-6E8A-4147-A177-3AD203B41FA5}">
-                      <a16:colId xmlns:a16="http://schemas.microsoft.com/office/drawing/2014/main" val="4240773277"/>
+                      <a16:colId xmlns="" xmlns:a16="http://schemas.microsoft.com/office/drawing/2014/main" val="4240773277"/>
                     </a:ext>
                   </a:extLst>
                 </a:gridCol>
@@ -3042,12 +3042,12 @@
                     <a:lstStyle/>
                     <a:p>
                       <a:r>
-                        <a:rPr lang="en-SG" u="sng" dirty="0"/>
-                        <a:t>ab0:</a:t>
+                        <a:rPr lang="en-SG" u="sng" dirty="0" smtClean="0"/>
+                        <a:t>td0:</a:t>
                       </a:r>
                       <a:r>
-                        <a:rPr lang="en-SG" sz="1800" u="sng" dirty="0"/>
-                        <a:t>AddressBook</a:t>
+                        <a:rPr lang="en-SG" sz="1800" u="sng" dirty="0" smtClean="0"/>
+                        <a:t>TopDeck</a:t>
                       </a:r>
                       <a:endParaRPr lang="en-SG" sz="1600" u="sng" dirty="0"/>
                     </a:p>
@@ -3056,7 +3056,7 @@
                 </a:tc>
                 <a:extLst>
                   <a:ext uri="{0D108BD9-81ED-4DB2-BD59-A6C34878D82A}">
-                    <a16:rowId xmlns:a16="http://schemas.microsoft.com/office/drawing/2014/main" val="2194462629"/>
+                    <a16:rowId xmlns="" xmlns:a16="http://schemas.microsoft.com/office/drawing/2014/main" val="2194462629"/>
                   </a:ext>
                 </a:extLst>
               </a:tr>
@@ -3115,7 +3115,7 @@
           <p:cNvPr id="3" name="Straight Arrow Connector 2">
             <a:extLst>
               <a:ext uri="{FF2B5EF4-FFF2-40B4-BE49-F238E27FC236}">
-                <a16:creationId xmlns:a16="http://schemas.microsoft.com/office/drawing/2014/main" id="{19F1196F-B136-4E44-A8A5-68CAEED3CD2E}"/>
+                <a16:creationId xmlns="" xmlns:a16="http://schemas.microsoft.com/office/drawing/2014/main" id="{19F1196F-B136-4E44-A8A5-68CAEED3CD2E}"/>
               </a:ext>
             </a:extLst>
           </p:cNvPr>
@@ -3422,7 +3422,7 @@
   <a:extraClrSchemeLst/>
   <a:extLst>
     <a:ext uri="{05A4C25C-085E-4340-85A3-A5531E510DB2}">
-      <thm15:themeFamily xmlns:thm15="http://schemas.microsoft.com/office/thememl/2012/main" name="Office Theme" id="{62F939B6-93AF-4DB8-9C6B-D6C7DFDC589F}" vid="{4A3C46E8-61CC-4603-A589-7422A47A8E4A}"/>
+      <thm15:themeFamily xmlns="" xmlns:thm15="http://schemas.microsoft.com/office/thememl/2012/main" name="Office Theme" id="{62F939B6-93AF-4DB8-9C6B-D6C7DFDC589F}" vid="{4A3C46E8-61CC-4603-A589-7422A47A8E4A}"/>
     </a:ext>
   </a:extLst>
 </a:theme>

--- a/docs/diagrams/UndoRedoStartingStateListDiagram.pptx
+++ b/docs/diagrams/UndoRedoStartingStateListDiagram.pptx
@@ -112,10 +112,6 @@
 </p:presentation>
 </file>
 
-<file path=ppt/revisionInfo.xml><?xml version="1.0" encoding="utf-8"?>
-<p1510:revInfo xmlns:a="http://schemas.openxmlformats.org/drawingml/2006/main" xmlns:r="http://schemas.openxmlformats.org/officeDocument/2006/relationships" xmlns:p1510="http://schemas.microsoft.com/office/powerpoint/2015/10/main"/>
-</file>
-
 <file path=ppt/slideLayouts/slideLayout1.xml><?xml version="1.0" encoding="utf-8"?>
 <p:sldLayout xmlns:a="http://schemas.openxmlformats.org/drawingml/2006/main" xmlns:r="http://schemas.openxmlformats.org/officeDocument/2006/relationships" xmlns:p="http://schemas.openxmlformats.org/presentationml/2006/main" type="title" preserve="1">
   <p:cSld name="Title Slide">
@@ -245,7 +241,7 @@
           <a:p>
             <a:fld id="{8B2F8DF3-7CFE-4C7E-A62E-FD00A81FB0CD}" type="datetimeFigureOut">
               <a:rPr lang="en-US" smtClean="0"/>
-              <a:t>7/6/2018</a:t>
+              <a:t>4/1/2019</a:t>
             </a:fld>
             <a:endParaRPr lang="en-US"/>
           </a:p>
@@ -413,7 +409,7 @@
           <a:p>
             <a:fld id="{8B2F8DF3-7CFE-4C7E-A62E-FD00A81FB0CD}" type="datetimeFigureOut">
               <a:rPr lang="en-US" smtClean="0"/>
-              <a:t>7/6/2018</a:t>
+              <a:t>4/1/2019</a:t>
             </a:fld>
             <a:endParaRPr lang="en-US"/>
           </a:p>
@@ -591,7 +587,7 @@
           <a:p>
             <a:fld id="{8B2F8DF3-7CFE-4C7E-A62E-FD00A81FB0CD}" type="datetimeFigureOut">
               <a:rPr lang="en-US" smtClean="0"/>
-              <a:t>7/6/2018</a:t>
+              <a:t>4/1/2019</a:t>
             </a:fld>
             <a:endParaRPr lang="en-US"/>
           </a:p>
@@ -759,7 +755,7 @@
           <a:p>
             <a:fld id="{8B2F8DF3-7CFE-4C7E-A62E-FD00A81FB0CD}" type="datetimeFigureOut">
               <a:rPr lang="en-US" smtClean="0"/>
-              <a:t>7/6/2018</a:t>
+              <a:t>4/1/2019</a:t>
             </a:fld>
             <a:endParaRPr lang="en-US"/>
           </a:p>
@@ -1004,7 +1000,7 @@
           <a:p>
             <a:fld id="{8B2F8DF3-7CFE-4C7E-A62E-FD00A81FB0CD}" type="datetimeFigureOut">
               <a:rPr lang="en-US" smtClean="0"/>
-              <a:t>7/6/2018</a:t>
+              <a:t>4/1/2019</a:t>
             </a:fld>
             <a:endParaRPr lang="en-US"/>
           </a:p>
@@ -1233,7 +1229,7 @@
           <a:p>
             <a:fld id="{8B2F8DF3-7CFE-4C7E-A62E-FD00A81FB0CD}" type="datetimeFigureOut">
               <a:rPr lang="en-US" smtClean="0"/>
-              <a:t>7/6/2018</a:t>
+              <a:t>4/1/2019</a:t>
             </a:fld>
             <a:endParaRPr lang="en-US"/>
           </a:p>
@@ -1597,7 +1593,7 @@
           <a:p>
             <a:fld id="{8B2F8DF3-7CFE-4C7E-A62E-FD00A81FB0CD}" type="datetimeFigureOut">
               <a:rPr lang="en-US" smtClean="0"/>
-              <a:t>7/6/2018</a:t>
+              <a:t>4/1/2019</a:t>
             </a:fld>
             <a:endParaRPr lang="en-US"/>
           </a:p>
@@ -1714,7 +1710,7 @@
           <a:p>
             <a:fld id="{8B2F8DF3-7CFE-4C7E-A62E-FD00A81FB0CD}" type="datetimeFigureOut">
               <a:rPr lang="en-US" smtClean="0"/>
-              <a:t>7/6/2018</a:t>
+              <a:t>4/1/2019</a:t>
             </a:fld>
             <a:endParaRPr lang="en-US"/>
           </a:p>
@@ -1809,7 +1805,7 @@
           <a:p>
             <a:fld id="{8B2F8DF3-7CFE-4C7E-A62E-FD00A81FB0CD}" type="datetimeFigureOut">
               <a:rPr lang="en-US" smtClean="0"/>
-              <a:t>7/6/2018</a:t>
+              <a:t>4/1/2019</a:t>
             </a:fld>
             <a:endParaRPr lang="en-US"/>
           </a:p>
@@ -2084,7 +2080,7 @@
           <a:p>
             <a:fld id="{8B2F8DF3-7CFE-4C7E-A62E-FD00A81FB0CD}" type="datetimeFigureOut">
               <a:rPr lang="en-US" smtClean="0"/>
-              <a:t>7/6/2018</a:t>
+              <a:t>4/1/2019</a:t>
             </a:fld>
             <a:endParaRPr lang="en-US"/>
           </a:p>
@@ -2336,7 +2332,7 @@
           <a:p>
             <a:fld id="{8B2F8DF3-7CFE-4C7E-A62E-FD00A81FB0CD}" type="datetimeFigureOut">
               <a:rPr lang="en-US" smtClean="0"/>
-              <a:t>7/6/2018</a:t>
+              <a:t>4/1/2019</a:t>
             </a:fld>
             <a:endParaRPr lang="en-US"/>
           </a:p>
@@ -2547,7 +2543,7 @@
           <a:p>
             <a:fld id="{8B2F8DF3-7CFE-4C7E-A62E-FD00A81FB0CD}" type="datetimeFigureOut">
               <a:rPr lang="en-US" smtClean="0"/>
-              <a:t>7/6/2018</a:t>
+              <a:t>4/1/2019</a:t>
             </a:fld>
             <a:endParaRPr lang="en-US"/>
           </a:p>
@@ -3011,14 +3007,14 @@
           <p:nvPr>
             <p:extLst>
               <p:ext uri="{D42A27DB-BD31-4B8C-83A1-F6EECF244321}">
-                <p14:modId xmlns:p14="http://schemas.microsoft.com/office/powerpoint/2010/main" val="1292556626"/>
+                <p14:modId xmlns:p14="http://schemas.microsoft.com/office/powerpoint/2010/main" val="1430898961"/>
               </p:ext>
             </p:extLst>
           </p:nvPr>
         </p:nvGraphicFramePr>
         <p:xfrm>
           <a:off x="637997" y="2769442"/>
-          <a:ext cx="1833356" cy="410363"/>
+          <a:ext cx="1924228" cy="410363"/>
         </p:xfrm>
         <a:graphic>
           <a:graphicData uri="http://schemas.openxmlformats.org/drawingml/2006/table">
@@ -3027,7 +3023,7 @@
                 <a:tableStyleId>{638B1855-1B75-4FBE-930C-398BA8C253C6}</a:tableStyleId>
               </a:tblPr>
               <a:tblGrid>
-                <a:gridCol w="1833356">
+                <a:gridCol w="1924228">
                   <a:extLst>
                     <a:ext uri="{9D8B030D-6E8A-4147-A177-3AD203B41FA5}">
                       <a16:colId xmlns:a16="http://schemas.microsoft.com/office/drawing/2014/main" val="4240773277"/>
@@ -3043,11 +3039,11 @@
                     <a:p>
                       <a:r>
                         <a:rPr lang="en-SG" u="sng" dirty="0"/>
-                        <a:t>ab0:</a:t>
+                        <a:t>ft0:</a:t>
                       </a:r>
                       <a:r>
                         <a:rPr lang="en-SG" sz="1800" u="sng" dirty="0"/>
-                        <a:t>AddressBook</a:t>
+                        <a:t>FinanceTracker</a:t>
                       </a:r>
                       <a:endParaRPr lang="en-SG" sz="1600" u="sng" dirty="0"/>
                     </a:p>

--- a/docs/diagrams/UndoRedoStartingStateListDiagram.pptx
+++ b/docs/diagrams/UndoRedoStartingStateListDiagram.pptx
@@ -112,10 +112,6 @@
 </p:presentation>
 </file>
 
-<file path=ppt/revisionInfo.xml><?xml version="1.0" encoding="utf-8"?>
-<p1510:revInfo xmlns:a="http://schemas.openxmlformats.org/drawingml/2006/main" xmlns:r="http://schemas.openxmlformats.org/officeDocument/2006/relationships" xmlns:p1510="http://schemas.microsoft.com/office/powerpoint/2015/10/main"/>
-</file>
-
 <file path=ppt/slideLayouts/slideLayout1.xml><?xml version="1.0" encoding="utf-8"?>
 <p:sldLayout xmlns:a="http://schemas.openxmlformats.org/drawingml/2006/main" xmlns:r="http://schemas.openxmlformats.org/officeDocument/2006/relationships" xmlns:p="http://schemas.openxmlformats.org/presentationml/2006/main" type="title" preserve="1">
   <p:cSld name="Title Slide">
@@ -245,7 +241,7 @@
           <a:p>
             <a:fld id="{8B2F8DF3-7CFE-4C7E-A62E-FD00A81FB0CD}" type="datetimeFigureOut">
               <a:rPr lang="en-US" smtClean="0"/>
-              <a:t>7/6/2018</a:t>
+              <a:t>4/2/19</a:t>
             </a:fld>
             <a:endParaRPr lang="en-US"/>
           </a:p>
@@ -413,7 +409,7 @@
           <a:p>
             <a:fld id="{8B2F8DF3-7CFE-4C7E-A62E-FD00A81FB0CD}" type="datetimeFigureOut">
               <a:rPr lang="en-US" smtClean="0"/>
-              <a:t>7/6/2018</a:t>
+              <a:t>4/2/19</a:t>
             </a:fld>
             <a:endParaRPr lang="en-US"/>
           </a:p>
@@ -591,7 +587,7 @@
           <a:p>
             <a:fld id="{8B2F8DF3-7CFE-4C7E-A62E-FD00A81FB0CD}" type="datetimeFigureOut">
               <a:rPr lang="en-US" smtClean="0"/>
-              <a:t>7/6/2018</a:t>
+              <a:t>4/2/19</a:t>
             </a:fld>
             <a:endParaRPr lang="en-US"/>
           </a:p>
@@ -759,7 +755,7 @@
           <a:p>
             <a:fld id="{8B2F8DF3-7CFE-4C7E-A62E-FD00A81FB0CD}" type="datetimeFigureOut">
               <a:rPr lang="en-US" smtClean="0"/>
-              <a:t>7/6/2018</a:t>
+              <a:t>4/2/19</a:t>
             </a:fld>
             <a:endParaRPr lang="en-US"/>
           </a:p>
@@ -1004,7 +1000,7 @@
           <a:p>
             <a:fld id="{8B2F8DF3-7CFE-4C7E-A62E-FD00A81FB0CD}" type="datetimeFigureOut">
               <a:rPr lang="en-US" smtClean="0"/>
-              <a:t>7/6/2018</a:t>
+              <a:t>4/2/19</a:t>
             </a:fld>
             <a:endParaRPr lang="en-US"/>
           </a:p>
@@ -1233,7 +1229,7 @@
           <a:p>
             <a:fld id="{8B2F8DF3-7CFE-4C7E-A62E-FD00A81FB0CD}" type="datetimeFigureOut">
               <a:rPr lang="en-US" smtClean="0"/>
-              <a:t>7/6/2018</a:t>
+              <a:t>4/2/19</a:t>
             </a:fld>
             <a:endParaRPr lang="en-US"/>
           </a:p>
@@ -1597,7 +1593,7 @@
           <a:p>
             <a:fld id="{8B2F8DF3-7CFE-4C7E-A62E-FD00A81FB0CD}" type="datetimeFigureOut">
               <a:rPr lang="en-US" smtClean="0"/>
-              <a:t>7/6/2018</a:t>
+              <a:t>4/2/19</a:t>
             </a:fld>
             <a:endParaRPr lang="en-US"/>
           </a:p>
@@ -1714,7 +1710,7 @@
           <a:p>
             <a:fld id="{8B2F8DF3-7CFE-4C7E-A62E-FD00A81FB0CD}" type="datetimeFigureOut">
               <a:rPr lang="en-US" smtClean="0"/>
-              <a:t>7/6/2018</a:t>
+              <a:t>4/2/19</a:t>
             </a:fld>
             <a:endParaRPr lang="en-US"/>
           </a:p>
@@ -1809,7 +1805,7 @@
           <a:p>
             <a:fld id="{8B2F8DF3-7CFE-4C7E-A62E-FD00A81FB0CD}" type="datetimeFigureOut">
               <a:rPr lang="en-US" smtClean="0"/>
-              <a:t>7/6/2018</a:t>
+              <a:t>4/2/19</a:t>
             </a:fld>
             <a:endParaRPr lang="en-US"/>
           </a:p>
@@ -2084,7 +2080,7 @@
           <a:p>
             <a:fld id="{8B2F8DF3-7CFE-4C7E-A62E-FD00A81FB0CD}" type="datetimeFigureOut">
               <a:rPr lang="en-US" smtClean="0"/>
-              <a:t>7/6/2018</a:t>
+              <a:t>4/2/19</a:t>
             </a:fld>
             <a:endParaRPr lang="en-US"/>
           </a:p>
@@ -2336,7 +2332,7 @@
           <a:p>
             <a:fld id="{8B2F8DF3-7CFE-4C7E-A62E-FD00A81FB0CD}" type="datetimeFigureOut">
               <a:rPr lang="en-US" smtClean="0"/>
-              <a:t>7/6/2018</a:t>
+              <a:t>4/2/19</a:t>
             </a:fld>
             <a:endParaRPr lang="en-US"/>
           </a:p>
@@ -2547,7 +2543,7 @@
           <a:p>
             <a:fld id="{8B2F8DF3-7CFE-4C7E-A62E-FD00A81FB0CD}" type="datetimeFigureOut">
               <a:rPr lang="en-US" smtClean="0"/>
-              <a:t>7/6/2018</a:t>
+              <a:t>4/2/19</a:t>
             </a:fld>
             <a:endParaRPr lang="en-US"/>
           </a:p>
@@ -2966,7 +2962,7 @@
         </p:nvSpPr>
         <p:spPr>
           <a:xfrm>
-            <a:off x="164757" y="4054080"/>
+            <a:off x="142875" y="4272015"/>
             <a:ext cx="3207000" cy="369332"/>
           </a:xfrm>
           <a:prstGeom prst="rect">
@@ -3011,13 +3007,13 @@
           <p:nvPr>
             <p:extLst>
               <p:ext uri="{D42A27DB-BD31-4B8C-83A1-F6EECF244321}">
-                <p14:modId xmlns:p14="http://schemas.microsoft.com/office/powerpoint/2010/main" val="1292556626"/>
+                <p14:modId xmlns:p14="http://schemas.microsoft.com/office/powerpoint/2010/main" val="925382710"/>
               </p:ext>
             </p:extLst>
           </p:nvPr>
         </p:nvGraphicFramePr>
         <p:xfrm>
-          <a:off x="637997" y="2769442"/>
+          <a:off x="623709" y="2764294"/>
           <a:ext cx="1833356" cy="410363"/>
         </p:xfrm>
         <a:graphic>
@@ -3072,7 +3068,7 @@
         </p:nvSpPr>
         <p:spPr>
           <a:xfrm>
-            <a:off x="529554" y="2669293"/>
+            <a:off x="498695" y="2660383"/>
             <a:ext cx="11364686" cy="618187"/>
           </a:xfrm>
           <a:prstGeom prst="rect">
@@ -3126,7 +3122,7 @@
         </p:nvCxnSpPr>
         <p:spPr>
           <a:xfrm flipV="1">
-            <a:off x="1577130" y="3347207"/>
+            <a:off x="1509149" y="3429000"/>
             <a:ext cx="0" cy="706873"/>
           </a:xfrm>
           <a:prstGeom prst="straightConnector1">

--- a/docs/diagrams/UndoRedoStartingStateListDiagram.pptx
+++ b/docs/diagrams/UndoRedoStartingStateListDiagram.pptx
@@ -112,10 +112,6 @@
 </p:presentation>
 </file>
 
-<file path=ppt/revisionInfo.xml><?xml version="1.0" encoding="utf-8"?>
-<p1510:revInfo xmlns:a="http://schemas.openxmlformats.org/drawingml/2006/main" xmlns:r="http://schemas.openxmlformats.org/officeDocument/2006/relationships" xmlns:p1510="http://schemas.microsoft.com/office/powerpoint/2015/10/main"/>
-</file>
-
 <file path=ppt/slideLayouts/slideLayout1.xml><?xml version="1.0" encoding="utf-8"?>
 <p:sldLayout xmlns:a="http://schemas.openxmlformats.org/drawingml/2006/main" xmlns:r="http://schemas.openxmlformats.org/officeDocument/2006/relationships" xmlns:p="http://schemas.openxmlformats.org/presentationml/2006/main" type="title" preserve="1">
   <p:cSld name="Title Slide">
@@ -245,7 +241,7 @@
           <a:p>
             <a:fld id="{8B2F8DF3-7CFE-4C7E-A62E-FD00A81FB0CD}" type="datetimeFigureOut">
               <a:rPr lang="en-US" smtClean="0"/>
-              <a:t>7/6/2018</a:t>
+              <a:t>4/5/19</a:t>
             </a:fld>
             <a:endParaRPr lang="en-US"/>
           </a:p>
@@ -413,7 +409,7 @@
           <a:p>
             <a:fld id="{8B2F8DF3-7CFE-4C7E-A62E-FD00A81FB0CD}" type="datetimeFigureOut">
               <a:rPr lang="en-US" smtClean="0"/>
-              <a:t>7/6/2018</a:t>
+              <a:t>4/5/19</a:t>
             </a:fld>
             <a:endParaRPr lang="en-US"/>
           </a:p>
@@ -591,7 +587,7 @@
           <a:p>
             <a:fld id="{8B2F8DF3-7CFE-4C7E-A62E-FD00A81FB0CD}" type="datetimeFigureOut">
               <a:rPr lang="en-US" smtClean="0"/>
-              <a:t>7/6/2018</a:t>
+              <a:t>4/5/19</a:t>
             </a:fld>
             <a:endParaRPr lang="en-US"/>
           </a:p>
@@ -759,7 +755,7 @@
           <a:p>
             <a:fld id="{8B2F8DF3-7CFE-4C7E-A62E-FD00A81FB0CD}" type="datetimeFigureOut">
               <a:rPr lang="en-US" smtClean="0"/>
-              <a:t>7/6/2018</a:t>
+              <a:t>4/5/19</a:t>
             </a:fld>
             <a:endParaRPr lang="en-US"/>
           </a:p>
@@ -1004,7 +1000,7 @@
           <a:p>
             <a:fld id="{8B2F8DF3-7CFE-4C7E-A62E-FD00A81FB0CD}" type="datetimeFigureOut">
               <a:rPr lang="en-US" smtClean="0"/>
-              <a:t>7/6/2018</a:t>
+              <a:t>4/5/19</a:t>
             </a:fld>
             <a:endParaRPr lang="en-US"/>
           </a:p>
@@ -1233,7 +1229,7 @@
           <a:p>
             <a:fld id="{8B2F8DF3-7CFE-4C7E-A62E-FD00A81FB0CD}" type="datetimeFigureOut">
               <a:rPr lang="en-US" smtClean="0"/>
-              <a:t>7/6/2018</a:t>
+              <a:t>4/5/19</a:t>
             </a:fld>
             <a:endParaRPr lang="en-US"/>
           </a:p>
@@ -1597,7 +1593,7 @@
           <a:p>
             <a:fld id="{8B2F8DF3-7CFE-4C7E-A62E-FD00A81FB0CD}" type="datetimeFigureOut">
               <a:rPr lang="en-US" smtClean="0"/>
-              <a:t>7/6/2018</a:t>
+              <a:t>4/5/19</a:t>
             </a:fld>
             <a:endParaRPr lang="en-US"/>
           </a:p>
@@ -1714,7 +1710,7 @@
           <a:p>
             <a:fld id="{8B2F8DF3-7CFE-4C7E-A62E-FD00A81FB0CD}" type="datetimeFigureOut">
               <a:rPr lang="en-US" smtClean="0"/>
-              <a:t>7/6/2018</a:t>
+              <a:t>4/5/19</a:t>
             </a:fld>
             <a:endParaRPr lang="en-US"/>
           </a:p>
@@ -1809,7 +1805,7 @@
           <a:p>
             <a:fld id="{8B2F8DF3-7CFE-4C7E-A62E-FD00A81FB0CD}" type="datetimeFigureOut">
               <a:rPr lang="en-US" smtClean="0"/>
-              <a:t>7/6/2018</a:t>
+              <a:t>4/5/19</a:t>
             </a:fld>
             <a:endParaRPr lang="en-US"/>
           </a:p>
@@ -2084,7 +2080,7 @@
           <a:p>
             <a:fld id="{8B2F8DF3-7CFE-4C7E-A62E-FD00A81FB0CD}" type="datetimeFigureOut">
               <a:rPr lang="en-US" smtClean="0"/>
-              <a:t>7/6/2018</a:t>
+              <a:t>4/5/19</a:t>
             </a:fld>
             <a:endParaRPr lang="en-US"/>
           </a:p>
@@ -2336,7 +2332,7 @@
           <a:p>
             <a:fld id="{8B2F8DF3-7CFE-4C7E-A62E-FD00A81FB0CD}" type="datetimeFigureOut">
               <a:rPr lang="en-US" smtClean="0"/>
-              <a:t>7/6/2018</a:t>
+              <a:t>4/5/19</a:t>
             </a:fld>
             <a:endParaRPr lang="en-US"/>
           </a:p>
@@ -2547,7 +2543,7 @@
           <a:p>
             <a:fld id="{8B2F8DF3-7CFE-4C7E-A62E-FD00A81FB0CD}" type="datetimeFigureOut">
               <a:rPr lang="en-US" smtClean="0"/>
-              <a:t>7/6/2018</a:t>
+              <a:t>4/5/19</a:t>
             </a:fld>
             <a:endParaRPr lang="en-US"/>
           </a:p>
@@ -3011,7 +3007,7 @@
           <p:nvPr>
             <p:extLst>
               <p:ext uri="{D42A27DB-BD31-4B8C-83A1-F6EECF244321}">
-                <p14:modId xmlns:p14="http://schemas.microsoft.com/office/powerpoint/2010/main" val="1292556626"/>
+                <p14:modId xmlns:p14="http://schemas.microsoft.com/office/powerpoint/2010/main" val="2250363464"/>
               </p:ext>
             </p:extLst>
           </p:nvPr>
@@ -3041,13 +3037,10 @@
                     <a:bodyPr/>
                     <a:lstStyle/>
                     <a:p>
+                      <a:pPr algn="ctr"/>
                       <a:r>
                         <a:rPr lang="en-SG" u="sng" dirty="0"/>
-                        <a:t>ab0:</a:t>
-                      </a:r>
-                      <a:r>
-                        <a:rPr lang="en-SG" sz="1800" u="sng" dirty="0"/>
-                        <a:t>AddressBook</a:t>
+                        <a:t>fd0:FoodDiary</a:t>
                       </a:r>
                       <a:endParaRPr lang="en-SG" sz="1600" u="sng" dirty="0"/>
                     </a:p>

--- a/docs/diagrams/UndoRedoStartingStateListDiagram.pptx
+++ b/docs/diagrams/UndoRedoStartingStateListDiagram.pptx
@@ -112,10 +112,6 @@
 </p:presentation>
 </file>
 
-<file path=ppt/revisionInfo.xml><?xml version="1.0" encoding="utf-8"?>
-<p1510:revInfo xmlns:a="http://schemas.openxmlformats.org/drawingml/2006/main" xmlns:r="http://schemas.openxmlformats.org/officeDocument/2006/relationships" xmlns:p1510="http://schemas.microsoft.com/office/powerpoint/2015/10/main"/>
-</file>
-
 <file path=ppt/slideLayouts/slideLayout1.xml><?xml version="1.0" encoding="utf-8"?>
 <p:sldLayout xmlns:a="http://schemas.openxmlformats.org/drawingml/2006/main" xmlns:r="http://schemas.openxmlformats.org/officeDocument/2006/relationships" xmlns:p="http://schemas.openxmlformats.org/presentationml/2006/main" type="title" preserve="1">
   <p:cSld name="Title Slide">
@@ -245,7 +241,7 @@
           <a:p>
             <a:fld id="{8B2F8DF3-7CFE-4C7E-A62E-FD00A81FB0CD}" type="datetimeFigureOut">
               <a:rPr lang="en-US" smtClean="0"/>
-              <a:t>7/6/2018</a:t>
+              <a:t>4/13/2019</a:t>
             </a:fld>
             <a:endParaRPr lang="en-US"/>
           </a:p>
@@ -413,7 +409,7 @@
           <a:p>
             <a:fld id="{8B2F8DF3-7CFE-4C7E-A62E-FD00A81FB0CD}" type="datetimeFigureOut">
               <a:rPr lang="en-US" smtClean="0"/>
-              <a:t>7/6/2018</a:t>
+              <a:t>4/13/2019</a:t>
             </a:fld>
             <a:endParaRPr lang="en-US"/>
           </a:p>
@@ -591,7 +587,7 @@
           <a:p>
             <a:fld id="{8B2F8DF3-7CFE-4C7E-A62E-FD00A81FB0CD}" type="datetimeFigureOut">
               <a:rPr lang="en-US" smtClean="0"/>
-              <a:t>7/6/2018</a:t>
+              <a:t>4/13/2019</a:t>
             </a:fld>
             <a:endParaRPr lang="en-US"/>
           </a:p>
@@ -759,7 +755,7 @@
           <a:p>
             <a:fld id="{8B2F8DF3-7CFE-4C7E-A62E-FD00A81FB0CD}" type="datetimeFigureOut">
               <a:rPr lang="en-US" smtClean="0"/>
-              <a:t>7/6/2018</a:t>
+              <a:t>4/13/2019</a:t>
             </a:fld>
             <a:endParaRPr lang="en-US"/>
           </a:p>
@@ -1004,7 +1000,7 @@
           <a:p>
             <a:fld id="{8B2F8DF3-7CFE-4C7E-A62E-FD00A81FB0CD}" type="datetimeFigureOut">
               <a:rPr lang="en-US" smtClean="0"/>
-              <a:t>7/6/2018</a:t>
+              <a:t>4/13/2019</a:t>
             </a:fld>
             <a:endParaRPr lang="en-US"/>
           </a:p>
@@ -1233,7 +1229,7 @@
           <a:p>
             <a:fld id="{8B2F8DF3-7CFE-4C7E-A62E-FD00A81FB0CD}" type="datetimeFigureOut">
               <a:rPr lang="en-US" smtClean="0"/>
-              <a:t>7/6/2018</a:t>
+              <a:t>4/13/2019</a:t>
             </a:fld>
             <a:endParaRPr lang="en-US"/>
           </a:p>
@@ -1597,7 +1593,7 @@
           <a:p>
             <a:fld id="{8B2F8DF3-7CFE-4C7E-A62E-FD00A81FB0CD}" type="datetimeFigureOut">
               <a:rPr lang="en-US" smtClean="0"/>
-              <a:t>7/6/2018</a:t>
+              <a:t>4/13/2019</a:t>
             </a:fld>
             <a:endParaRPr lang="en-US"/>
           </a:p>
@@ -1714,7 +1710,7 @@
           <a:p>
             <a:fld id="{8B2F8DF3-7CFE-4C7E-A62E-FD00A81FB0CD}" type="datetimeFigureOut">
               <a:rPr lang="en-US" smtClean="0"/>
-              <a:t>7/6/2018</a:t>
+              <a:t>4/13/2019</a:t>
             </a:fld>
             <a:endParaRPr lang="en-US"/>
           </a:p>
@@ -1809,7 +1805,7 @@
           <a:p>
             <a:fld id="{8B2F8DF3-7CFE-4C7E-A62E-FD00A81FB0CD}" type="datetimeFigureOut">
               <a:rPr lang="en-US" smtClean="0"/>
-              <a:t>7/6/2018</a:t>
+              <a:t>4/13/2019</a:t>
             </a:fld>
             <a:endParaRPr lang="en-US"/>
           </a:p>
@@ -2084,7 +2080,7 @@
           <a:p>
             <a:fld id="{8B2F8DF3-7CFE-4C7E-A62E-FD00A81FB0CD}" type="datetimeFigureOut">
               <a:rPr lang="en-US" smtClean="0"/>
-              <a:t>7/6/2018</a:t>
+              <a:t>4/13/2019</a:t>
             </a:fld>
             <a:endParaRPr lang="en-US"/>
           </a:p>
@@ -2336,7 +2332,7 @@
           <a:p>
             <a:fld id="{8B2F8DF3-7CFE-4C7E-A62E-FD00A81FB0CD}" type="datetimeFigureOut">
               <a:rPr lang="en-US" smtClean="0"/>
-              <a:t>7/6/2018</a:t>
+              <a:t>4/13/2019</a:t>
             </a:fld>
             <a:endParaRPr lang="en-US"/>
           </a:p>
@@ -2547,7 +2543,7 @@
           <a:p>
             <a:fld id="{8B2F8DF3-7CFE-4C7E-A62E-FD00A81FB0CD}" type="datetimeFigureOut">
               <a:rPr lang="en-US" smtClean="0"/>
-              <a:t>7/6/2018</a:t>
+              <a:t>4/13/2019</a:t>
             </a:fld>
             <a:endParaRPr lang="en-US"/>
           </a:p>
@@ -2982,16 +2978,10 @@
           <a:p>
             <a:pPr algn="ctr"/>
             <a:r>
-              <a:rPr lang="en-SG" dirty="0" err="1">
-                <a:latin typeface="Consolas" panose="020B0609020204030204" pitchFamily="49" charset="0"/>
-              </a:rPr>
-              <a:t>currentStatePointer</a:t>
-            </a:r>
-            <a:r>
               <a:rPr lang="en-SG" dirty="0">
                 <a:latin typeface="Consolas" panose="020B0609020204030204" pitchFamily="49" charset="0"/>
               </a:rPr>
-              <a:t> = 0</a:t>
+              <a:t>currentStatePointer = 0</a:t>
             </a:r>
           </a:p>
         </p:txBody>
@@ -3011,14 +3001,14 @@
           <p:nvPr>
             <p:extLst>
               <p:ext uri="{D42A27DB-BD31-4B8C-83A1-F6EECF244321}">
-                <p14:modId xmlns:p14="http://schemas.microsoft.com/office/powerpoint/2010/main" val="1292556626"/>
+                <p14:modId xmlns:p14="http://schemas.microsoft.com/office/powerpoint/2010/main" val="1569350044"/>
               </p:ext>
             </p:extLst>
           </p:nvPr>
         </p:nvGraphicFramePr>
         <p:xfrm>
           <a:off x="637997" y="2769442"/>
-          <a:ext cx="1833356" cy="410363"/>
+          <a:ext cx="2515106" cy="410363"/>
         </p:xfrm>
         <a:graphic>
           <a:graphicData uri="http://schemas.openxmlformats.org/drawingml/2006/table">
@@ -3027,7 +3017,7 @@
                 <a:tableStyleId>{638B1855-1B75-4FBE-930C-398BA8C253C6}</a:tableStyleId>
               </a:tblPr>
               <a:tblGrid>
-                <a:gridCol w="1833356">
+                <a:gridCol w="2515106">
                   <a:extLst>
                     <a:ext uri="{9D8B030D-6E8A-4147-A177-3AD203B41FA5}">
                       <a16:colId xmlns:a16="http://schemas.microsoft.com/office/drawing/2014/main" val="4240773277"/>
@@ -3042,12 +3032,12 @@
                     <a:lstStyle/>
                     <a:p>
                       <a:r>
-                        <a:rPr lang="en-SG" u="sng" dirty="0"/>
-                        <a:t>ab0:</a:t>
+                        <a:rPr lang="en-SG" u="sng"/>
+                        <a:t>em0:</a:t>
                       </a:r>
                       <a:r>
-                        <a:rPr lang="en-SG" sz="1800" u="sng" dirty="0"/>
-                        <a:t>AddressBook</a:t>
+                        <a:rPr lang="en-SG" sz="1800" u="sng"/>
+                        <a:t>EquipmentManager</a:t>
                       </a:r>
                       <a:endParaRPr lang="en-SG" sz="1600" u="sng" dirty="0"/>
                     </a:p>
